--- a/24Jan Meeting.pptx
+++ b/24Jan Meeting.pptx
@@ -9,6 +9,7 @@
     <p:sldId id="257" r:id="rId3"/>
     <p:sldId id="258" r:id="rId4"/>
     <p:sldId id="259" r:id="rId5"/>
+    <p:sldId id="260" r:id="rId6"/>
   </p:sldIdLst>
   <p:sldSz cx="12192000" cy="6858000"/>
   <p:notesSz cx="6858000" cy="9144000"/>
@@ -107,6 +108,11 @@
       </a:defRPr>
     </a:lvl9pPr>
   </p:defaultTextStyle>
+  <p:extLst>
+    <p:ext uri="{EFAFB233-063F-42B5-8137-9DF3F51BA10A}">
+      <p15:sldGuideLst xmlns:p15="http://schemas.microsoft.com/office/powerpoint/2012/main"/>
+    </p:ext>
+  </p:extLst>
 </p:presentation>
 </file>
 
@@ -115,7 +121,7 @@
   <pc:docChgLst>
     <pc:chgData name="Gervasio Ramirez" userId="618ea012289dca19" providerId="LiveId" clId="{0F8B5D32-E5D4-40B5-BEFE-EC74F9C0E01A}"/>
     <pc:docChg chg="custSel addSld modSld">
-      <pc:chgData name="Gervasio Ramirez" userId="618ea012289dca19" providerId="LiveId" clId="{0F8B5D32-E5D4-40B5-BEFE-EC74F9C0E01A}" dt="2025-01-22T14:52:12.983" v="19" actId="207"/>
+      <pc:chgData name="Gervasio Ramirez" userId="618ea012289dca19" providerId="LiveId" clId="{0F8B5D32-E5D4-40B5-BEFE-EC74F9C0E01A}" dt="2025-01-22T15:23:02.890" v="31" actId="680"/>
       <pc:docMkLst>
         <pc:docMk/>
       </pc:docMkLst>
@@ -213,7 +219,7 @@
         </pc:picChg>
       </pc:sldChg>
       <pc:sldChg chg="addSp delSp modSp new mod">
-        <pc:chgData name="Gervasio Ramirez" userId="618ea012289dca19" providerId="LiveId" clId="{0F8B5D32-E5D4-40B5-BEFE-EC74F9C0E01A}" dt="2025-01-22T14:52:12.983" v="19" actId="207"/>
+        <pc:chgData name="Gervasio Ramirez" userId="618ea012289dca19" providerId="LiveId" clId="{0F8B5D32-E5D4-40B5-BEFE-EC74F9C0E01A}" dt="2025-01-22T15:22:56.945" v="30" actId="1076"/>
         <pc:sldMkLst>
           <pc:docMk/>
           <pc:sldMk cId="2348909789" sldId="259"/>
@@ -235,13 +241,36 @@
           </ac:spMkLst>
         </pc:spChg>
         <pc:spChg chg="add mod">
-          <ac:chgData name="Gervasio Ramirez" userId="618ea012289dca19" providerId="LiveId" clId="{0F8B5D32-E5D4-40B5-BEFE-EC74F9C0E01A}" dt="2025-01-22T14:52:12.983" v="19" actId="207"/>
+          <ac:chgData name="Gervasio Ramirez" userId="618ea012289dca19" providerId="LiveId" clId="{0F8B5D32-E5D4-40B5-BEFE-EC74F9C0E01A}" dt="2025-01-22T15:22:26.198" v="20" actId="1076"/>
           <ac:spMkLst>
             <pc:docMk/>
             <pc:sldMk cId="2348909789" sldId="259"/>
             <ac:spMk id="5" creationId="{C4F89F24-76DE-C621-5994-9C88F49023C4}"/>
           </ac:spMkLst>
         </pc:spChg>
+        <pc:picChg chg="add mod">
+          <ac:chgData name="Gervasio Ramirez" userId="618ea012289dca19" providerId="LiveId" clId="{0F8B5D32-E5D4-40B5-BEFE-EC74F9C0E01A}" dt="2025-01-22T15:22:55.035" v="29" actId="1076"/>
+          <ac:picMkLst>
+            <pc:docMk/>
+            <pc:sldMk cId="2348909789" sldId="259"/>
+            <ac:picMk id="3" creationId="{535BB604-005B-B437-3396-F18282E30A94}"/>
+          </ac:picMkLst>
+        </pc:picChg>
+        <pc:picChg chg="add mod">
+          <ac:chgData name="Gervasio Ramirez" userId="618ea012289dca19" providerId="LiveId" clId="{0F8B5D32-E5D4-40B5-BEFE-EC74F9C0E01A}" dt="2025-01-22T15:22:56.945" v="30" actId="1076"/>
+          <ac:picMkLst>
+            <pc:docMk/>
+            <pc:sldMk cId="2348909789" sldId="259"/>
+            <ac:picMk id="6" creationId="{98279D0A-44C3-496C-3BCF-297D08C8F0C6}"/>
+          </ac:picMkLst>
+        </pc:picChg>
+      </pc:sldChg>
+      <pc:sldChg chg="new">
+        <pc:chgData name="Gervasio Ramirez" userId="618ea012289dca19" providerId="LiveId" clId="{0F8B5D32-E5D4-40B5-BEFE-EC74F9C0E01A}" dt="2025-01-22T15:23:02.890" v="31" actId="680"/>
+        <pc:sldMkLst>
+          <pc:docMk/>
+          <pc:sldMk cId="1601390383" sldId="260"/>
+        </pc:sldMkLst>
       </pc:sldChg>
     </pc:docChg>
   </pc:docChgLst>
@@ -3656,7 +3685,7 @@
         </p:nvSpPr>
         <p:spPr>
           <a:xfrm>
-            <a:off x="3048000" y="2828836"/>
+            <a:off x="1003379" y="2277924"/>
             <a:ext cx="6096000" cy="1200329"/>
           </a:xfrm>
           <a:prstGeom prst="rect">
@@ -3737,10 +3766,150 @@
           </a:p>
         </p:txBody>
       </p:sp>
+      <p:pic>
+        <p:nvPicPr>
+          <p:cNvPr id="3" name="Picture 2">
+            <a:extLst>
+              <a:ext uri="{FF2B5EF4-FFF2-40B4-BE49-F238E27FC236}">
+                <a16:creationId xmlns:a16="http://schemas.microsoft.com/office/drawing/2014/main" id="{535BB604-005B-B437-3396-F18282E30A94}"/>
+              </a:ext>
+            </a:extLst>
+          </p:cNvPr>
+          <p:cNvPicPr>
+            <a:picLocks noChangeAspect="1"/>
+          </p:cNvPicPr>
+          <p:nvPr/>
+        </p:nvPicPr>
+        <p:blipFill>
+          <a:blip r:embed="rId2"/>
+          <a:stretch>
+            <a:fillRect/>
+          </a:stretch>
+        </p:blipFill>
+        <p:spPr>
+          <a:xfrm>
+            <a:off x="6800739" y="175964"/>
+            <a:ext cx="5290501" cy="6305413"/>
+          </a:xfrm>
+          <a:prstGeom prst="rect">
+            <a:avLst/>
+          </a:prstGeom>
+        </p:spPr>
+      </p:pic>
+      <p:pic>
+        <p:nvPicPr>
+          <p:cNvPr id="6" name="Picture 5">
+            <a:extLst>
+              <a:ext uri="{FF2B5EF4-FFF2-40B4-BE49-F238E27FC236}">
+                <a16:creationId xmlns:a16="http://schemas.microsoft.com/office/drawing/2014/main" id="{98279D0A-44C3-496C-3BCF-297D08C8F0C6}"/>
+              </a:ext>
+            </a:extLst>
+          </p:cNvPr>
+          <p:cNvPicPr>
+            <a:picLocks noChangeAspect="1"/>
+          </p:cNvPicPr>
+          <p:nvPr/>
+        </p:nvPicPr>
+        <p:blipFill>
+          <a:blip r:embed="rId3"/>
+          <a:stretch>
+            <a:fillRect/>
+          </a:stretch>
+        </p:blipFill>
+        <p:spPr>
+          <a:xfrm>
+            <a:off x="618371" y="4406203"/>
+            <a:ext cx="5198687" cy="2009390"/>
+          </a:xfrm>
+          <a:prstGeom prst="rect">
+            <a:avLst/>
+          </a:prstGeom>
+        </p:spPr>
+      </p:pic>
     </p:spTree>
     <p:extLst>
       <p:ext uri="{BB962C8B-B14F-4D97-AF65-F5344CB8AC3E}">
         <p14:creationId xmlns:p14="http://schemas.microsoft.com/office/powerpoint/2010/main" val="2348909789"/>
+      </p:ext>
+    </p:extLst>
+  </p:cSld>
+  <p:clrMapOvr>
+    <a:masterClrMapping/>
+  </p:clrMapOvr>
+</p:sld>
+</file>
+
+<file path=ppt/slides/slide5.xml><?xml version="1.0" encoding="utf-8"?>
+<p:sld xmlns:a="http://schemas.openxmlformats.org/drawingml/2006/main" xmlns:r="http://schemas.openxmlformats.org/officeDocument/2006/relationships" xmlns:p="http://schemas.openxmlformats.org/presentationml/2006/main">
+  <p:cSld>
+    <p:spTree>
+      <p:nvGrpSpPr>
+        <p:cNvPr id="1" name=""/>
+        <p:cNvGrpSpPr/>
+        <p:nvPr/>
+      </p:nvGrpSpPr>
+      <p:grpSpPr>
+        <a:xfrm>
+          <a:off x="0" y="0"/>
+          <a:ext cx="0" cy="0"/>
+          <a:chOff x="0" y="0"/>
+          <a:chExt cx="0" cy="0"/>
+        </a:xfrm>
+      </p:grpSpPr>
+      <p:sp>
+        <p:nvSpPr>
+          <p:cNvPr id="2" name="Title 1">
+            <a:extLst>
+              <a:ext uri="{FF2B5EF4-FFF2-40B4-BE49-F238E27FC236}">
+                <a16:creationId xmlns:a16="http://schemas.microsoft.com/office/drawing/2014/main" id="{C3778B39-F036-C6CF-EC07-121D49E9C62C}"/>
+              </a:ext>
+            </a:extLst>
+          </p:cNvPr>
+          <p:cNvSpPr>
+            <a:spLocks noGrp="1"/>
+          </p:cNvSpPr>
+          <p:nvPr>
+            <p:ph type="title"/>
+          </p:nvPr>
+        </p:nvSpPr>
+        <p:spPr/>
+        <p:txBody>
+          <a:bodyPr/>
+          <a:lstStyle/>
+          <a:p>
+            <a:endParaRPr lang="en-GB"/>
+          </a:p>
+        </p:txBody>
+      </p:sp>
+      <p:sp>
+        <p:nvSpPr>
+          <p:cNvPr id="3" name="Content Placeholder 2">
+            <a:extLst>
+              <a:ext uri="{FF2B5EF4-FFF2-40B4-BE49-F238E27FC236}">
+                <a16:creationId xmlns:a16="http://schemas.microsoft.com/office/drawing/2014/main" id="{2B0677BB-4FE1-83B4-CA09-E95944C08043}"/>
+              </a:ext>
+            </a:extLst>
+          </p:cNvPr>
+          <p:cNvSpPr>
+            <a:spLocks noGrp="1"/>
+          </p:cNvSpPr>
+          <p:nvPr>
+            <p:ph idx="1"/>
+          </p:nvPr>
+        </p:nvSpPr>
+        <p:spPr/>
+        <p:txBody>
+          <a:bodyPr/>
+          <a:lstStyle/>
+          <a:p>
+            <a:endParaRPr lang="en-GB"/>
+          </a:p>
+        </p:txBody>
+      </p:sp>
+    </p:spTree>
+    <p:extLst>
+      <p:ext uri="{BB962C8B-B14F-4D97-AF65-F5344CB8AC3E}">
+        <p14:creationId xmlns:p14="http://schemas.microsoft.com/office/powerpoint/2010/main" val="1601390383"/>
       </p:ext>
     </p:extLst>
   </p:cSld>

--- a/24Jan Meeting.pptx
+++ b/24Jan Meeting.pptx
@@ -10,6 +10,9 @@
     <p:sldId id="258" r:id="rId4"/>
     <p:sldId id="259" r:id="rId5"/>
     <p:sldId id="260" r:id="rId6"/>
+    <p:sldId id="261" r:id="rId7"/>
+    <p:sldId id="262" r:id="rId8"/>
+    <p:sldId id="263" r:id="rId9"/>
   </p:sldIdLst>
   <p:sldSz cx="12192000" cy="6858000"/>
   <p:notesSz cx="6858000" cy="9144000"/>
@@ -121,7 +124,7 @@
   <pc:docChgLst>
     <pc:chgData name="Gervasio Ramirez" userId="618ea012289dca19" providerId="LiveId" clId="{0F8B5D32-E5D4-40B5-BEFE-EC74F9C0E01A}"/>
     <pc:docChg chg="custSel addSld modSld">
-      <pc:chgData name="Gervasio Ramirez" userId="618ea012289dca19" providerId="LiveId" clId="{0F8B5D32-E5D4-40B5-BEFE-EC74F9C0E01A}" dt="2025-01-22T15:23:02.890" v="31" actId="680"/>
+      <pc:chgData name="Gervasio Ramirez" userId="618ea012289dca19" providerId="LiveId" clId="{0F8B5D32-E5D4-40B5-BEFE-EC74F9C0E01A}" dt="2025-01-22T15:55:17.586" v="46" actId="1076"/>
       <pc:docMkLst>
         <pc:docMk/>
       </pc:docMkLst>
@@ -265,12 +268,73 @@
           </ac:picMkLst>
         </pc:picChg>
       </pc:sldChg>
-      <pc:sldChg chg="new">
-        <pc:chgData name="Gervasio Ramirez" userId="618ea012289dca19" providerId="LiveId" clId="{0F8B5D32-E5D4-40B5-BEFE-EC74F9C0E01A}" dt="2025-01-22T15:23:02.890" v="31" actId="680"/>
+      <pc:sldChg chg="addSp modSp new mod">
+        <pc:chgData name="Gervasio Ramirez" userId="618ea012289dca19" providerId="LiveId" clId="{0F8B5D32-E5D4-40B5-BEFE-EC74F9C0E01A}" dt="2025-01-22T15:47:14.341" v="33" actId="14100"/>
         <pc:sldMkLst>
           <pc:docMk/>
           <pc:sldMk cId="1601390383" sldId="260"/>
         </pc:sldMkLst>
+        <pc:picChg chg="add mod">
+          <ac:chgData name="Gervasio Ramirez" userId="618ea012289dca19" providerId="LiveId" clId="{0F8B5D32-E5D4-40B5-BEFE-EC74F9C0E01A}" dt="2025-01-22T15:47:14.341" v="33" actId="14100"/>
+          <ac:picMkLst>
+            <pc:docMk/>
+            <pc:sldMk cId="1601390383" sldId="260"/>
+            <ac:picMk id="5" creationId="{D64FC863-4E6E-542F-0D47-05D6DF9F3A48}"/>
+          </ac:picMkLst>
+        </pc:picChg>
+      </pc:sldChg>
+      <pc:sldChg chg="addSp modSp new mod">
+        <pc:chgData name="Gervasio Ramirez" userId="618ea012289dca19" providerId="LiveId" clId="{0F8B5D32-E5D4-40B5-BEFE-EC74F9C0E01A}" dt="2025-01-22T15:55:17.586" v="46" actId="1076"/>
+        <pc:sldMkLst>
+          <pc:docMk/>
+          <pc:sldMk cId="2580589798" sldId="261"/>
+        </pc:sldMkLst>
+        <pc:picChg chg="add mod">
+          <ac:chgData name="Gervasio Ramirez" userId="618ea012289dca19" providerId="LiveId" clId="{0F8B5D32-E5D4-40B5-BEFE-EC74F9C0E01A}" dt="2025-01-22T15:55:13.107" v="43" actId="14100"/>
+          <ac:picMkLst>
+            <pc:docMk/>
+            <pc:sldMk cId="2580589798" sldId="261"/>
+            <ac:picMk id="5" creationId="{481EDFBD-B36D-2C8C-8D07-C478E29C2E64}"/>
+          </ac:picMkLst>
+        </pc:picChg>
+        <pc:picChg chg="add mod">
+          <ac:chgData name="Gervasio Ramirez" userId="618ea012289dca19" providerId="LiveId" clId="{0F8B5D32-E5D4-40B5-BEFE-EC74F9C0E01A}" dt="2025-01-22T15:55:17.586" v="46" actId="1076"/>
+          <ac:picMkLst>
+            <pc:docMk/>
+            <pc:sldMk cId="2580589798" sldId="261"/>
+            <ac:picMk id="7" creationId="{1F087752-55B3-EF01-15BE-3DC36EC29274}"/>
+          </ac:picMkLst>
+        </pc:picChg>
+      </pc:sldChg>
+      <pc:sldChg chg="addSp modSp new mod">
+        <pc:chgData name="Gervasio Ramirez" userId="618ea012289dca19" providerId="LiveId" clId="{0F8B5D32-E5D4-40B5-BEFE-EC74F9C0E01A}" dt="2025-01-22T15:51:56.893" v="38" actId="14100"/>
+        <pc:sldMkLst>
+          <pc:docMk/>
+          <pc:sldMk cId="3789883353" sldId="262"/>
+        </pc:sldMkLst>
+        <pc:picChg chg="add mod">
+          <ac:chgData name="Gervasio Ramirez" userId="618ea012289dca19" providerId="LiveId" clId="{0F8B5D32-E5D4-40B5-BEFE-EC74F9C0E01A}" dt="2025-01-22T15:51:56.893" v="38" actId="14100"/>
+          <ac:picMkLst>
+            <pc:docMk/>
+            <pc:sldMk cId="3789883353" sldId="262"/>
+            <ac:picMk id="5" creationId="{ABBC4C79-02EF-1531-F72D-31EADA2D52A8}"/>
+          </ac:picMkLst>
+        </pc:picChg>
+      </pc:sldChg>
+      <pc:sldChg chg="addSp modSp new mod">
+        <pc:chgData name="Gervasio Ramirez" userId="618ea012289dca19" providerId="LiveId" clId="{0F8B5D32-E5D4-40B5-BEFE-EC74F9C0E01A}" dt="2025-01-22T15:54:28.937" v="42" actId="1076"/>
+        <pc:sldMkLst>
+          <pc:docMk/>
+          <pc:sldMk cId="2344737061" sldId="263"/>
+        </pc:sldMkLst>
+        <pc:picChg chg="add mod">
+          <ac:chgData name="Gervasio Ramirez" userId="618ea012289dca19" providerId="LiveId" clId="{0F8B5D32-E5D4-40B5-BEFE-EC74F9C0E01A}" dt="2025-01-22T15:54:28.937" v="42" actId="1076"/>
+          <ac:picMkLst>
+            <pc:docMk/>
+            <pc:sldMk cId="2344737061" sldId="263"/>
+            <ac:picMk id="5" creationId="{835B9A79-7EB1-CE72-6327-9E87B5289C6D}"/>
+          </ac:picMkLst>
+        </pc:picChg>
       </pc:sldChg>
     </pc:docChg>
   </pc:docChgLst>
@@ -3906,10 +3970,400 @@
           </a:p>
         </p:txBody>
       </p:sp>
+      <p:pic>
+        <p:nvPicPr>
+          <p:cNvPr id="5" name="Picture 4">
+            <a:extLst>
+              <a:ext uri="{FF2B5EF4-FFF2-40B4-BE49-F238E27FC236}">
+                <a16:creationId xmlns:a16="http://schemas.microsoft.com/office/drawing/2014/main" id="{D64FC863-4E6E-542F-0D47-05D6DF9F3A48}"/>
+              </a:ext>
+            </a:extLst>
+          </p:cNvPr>
+          <p:cNvPicPr>
+            <a:picLocks noChangeAspect="1"/>
+          </p:cNvPicPr>
+          <p:nvPr/>
+        </p:nvPicPr>
+        <p:blipFill>
+          <a:blip r:embed="rId2"/>
+          <a:stretch>
+            <a:fillRect/>
+          </a:stretch>
+        </p:blipFill>
+        <p:spPr>
+          <a:xfrm>
+            <a:off x="3269163" y="1065704"/>
+            <a:ext cx="6928405" cy="5792296"/>
+          </a:xfrm>
+          <a:prstGeom prst="rect">
+            <a:avLst/>
+          </a:prstGeom>
+        </p:spPr>
+      </p:pic>
     </p:spTree>
     <p:extLst>
       <p:ext uri="{BB962C8B-B14F-4D97-AF65-F5344CB8AC3E}">
         <p14:creationId xmlns:p14="http://schemas.microsoft.com/office/powerpoint/2010/main" val="1601390383"/>
+      </p:ext>
+    </p:extLst>
+  </p:cSld>
+  <p:clrMapOvr>
+    <a:masterClrMapping/>
+  </p:clrMapOvr>
+</p:sld>
+</file>
+
+<file path=ppt/slides/slide6.xml><?xml version="1.0" encoding="utf-8"?>
+<p:sld xmlns:a="http://schemas.openxmlformats.org/drawingml/2006/main" xmlns:r="http://schemas.openxmlformats.org/officeDocument/2006/relationships" xmlns:p="http://schemas.openxmlformats.org/presentationml/2006/main">
+  <p:cSld>
+    <p:spTree>
+      <p:nvGrpSpPr>
+        <p:cNvPr id="1" name=""/>
+        <p:cNvGrpSpPr/>
+        <p:nvPr/>
+      </p:nvGrpSpPr>
+      <p:grpSpPr>
+        <a:xfrm>
+          <a:off x="0" y="0"/>
+          <a:ext cx="0" cy="0"/>
+          <a:chOff x="0" y="0"/>
+          <a:chExt cx="0" cy="0"/>
+        </a:xfrm>
+      </p:grpSpPr>
+      <p:sp>
+        <p:nvSpPr>
+          <p:cNvPr id="2" name="Title 1">
+            <a:extLst>
+              <a:ext uri="{FF2B5EF4-FFF2-40B4-BE49-F238E27FC236}">
+                <a16:creationId xmlns:a16="http://schemas.microsoft.com/office/drawing/2014/main" id="{2E660596-BC76-0AE9-9DEE-DE25FC83584A}"/>
+              </a:ext>
+            </a:extLst>
+          </p:cNvPr>
+          <p:cNvSpPr>
+            <a:spLocks noGrp="1"/>
+          </p:cNvSpPr>
+          <p:nvPr>
+            <p:ph type="title"/>
+          </p:nvPr>
+        </p:nvSpPr>
+        <p:spPr/>
+        <p:txBody>
+          <a:bodyPr/>
+          <a:lstStyle/>
+          <a:p>
+            <a:endParaRPr lang="en-GB"/>
+          </a:p>
+        </p:txBody>
+      </p:sp>
+      <p:sp>
+        <p:nvSpPr>
+          <p:cNvPr id="3" name="Content Placeholder 2">
+            <a:extLst>
+              <a:ext uri="{FF2B5EF4-FFF2-40B4-BE49-F238E27FC236}">
+                <a16:creationId xmlns:a16="http://schemas.microsoft.com/office/drawing/2014/main" id="{3E430510-3D8C-351F-0E92-D333E93E1FE7}"/>
+              </a:ext>
+            </a:extLst>
+          </p:cNvPr>
+          <p:cNvSpPr>
+            <a:spLocks noGrp="1"/>
+          </p:cNvSpPr>
+          <p:nvPr>
+            <p:ph idx="1"/>
+          </p:nvPr>
+        </p:nvSpPr>
+        <p:spPr/>
+        <p:txBody>
+          <a:bodyPr/>
+          <a:lstStyle/>
+          <a:p>
+            <a:endParaRPr lang="en-GB"/>
+          </a:p>
+        </p:txBody>
+      </p:sp>
+      <p:pic>
+        <p:nvPicPr>
+          <p:cNvPr id="5" name="Picture 4">
+            <a:extLst>
+              <a:ext uri="{FF2B5EF4-FFF2-40B4-BE49-F238E27FC236}">
+                <a16:creationId xmlns:a16="http://schemas.microsoft.com/office/drawing/2014/main" id="{481EDFBD-B36D-2C8C-8D07-C478E29C2E64}"/>
+              </a:ext>
+            </a:extLst>
+          </p:cNvPr>
+          <p:cNvPicPr>
+            <a:picLocks noChangeAspect="1"/>
+          </p:cNvPicPr>
+          <p:nvPr/>
+        </p:nvPicPr>
+        <p:blipFill>
+          <a:blip r:embed="rId2"/>
+          <a:stretch>
+            <a:fillRect/>
+          </a:stretch>
+        </p:blipFill>
+        <p:spPr>
+          <a:xfrm>
+            <a:off x="2672825" y="1282790"/>
+            <a:ext cx="8892384" cy="5575209"/>
+          </a:xfrm>
+          <a:prstGeom prst="rect">
+            <a:avLst/>
+          </a:prstGeom>
+        </p:spPr>
+      </p:pic>
+      <p:pic>
+        <p:nvPicPr>
+          <p:cNvPr id="7" name="Picture 6">
+            <a:extLst>
+              <a:ext uri="{FF2B5EF4-FFF2-40B4-BE49-F238E27FC236}">
+                <a16:creationId xmlns:a16="http://schemas.microsoft.com/office/drawing/2014/main" id="{1F087752-55B3-EF01-15BE-3DC36EC29274}"/>
+              </a:ext>
+            </a:extLst>
+          </p:cNvPr>
+          <p:cNvPicPr>
+            <a:picLocks noChangeAspect="1"/>
+          </p:cNvPicPr>
+          <p:nvPr/>
+        </p:nvPicPr>
+        <p:blipFill>
+          <a:blip r:embed="rId3"/>
+          <a:stretch>
+            <a:fillRect/>
+          </a:stretch>
+        </p:blipFill>
+        <p:spPr>
+          <a:xfrm>
+            <a:off x="838200" y="1088513"/>
+            <a:ext cx="7758361" cy="4868243"/>
+          </a:xfrm>
+          <a:prstGeom prst="rect">
+            <a:avLst/>
+          </a:prstGeom>
+        </p:spPr>
+      </p:pic>
+    </p:spTree>
+    <p:extLst>
+      <p:ext uri="{BB962C8B-B14F-4D97-AF65-F5344CB8AC3E}">
+        <p14:creationId xmlns:p14="http://schemas.microsoft.com/office/powerpoint/2010/main" val="2580589798"/>
+      </p:ext>
+    </p:extLst>
+  </p:cSld>
+  <p:clrMapOvr>
+    <a:masterClrMapping/>
+  </p:clrMapOvr>
+</p:sld>
+</file>
+
+<file path=ppt/slides/slide7.xml><?xml version="1.0" encoding="utf-8"?>
+<p:sld xmlns:a="http://schemas.openxmlformats.org/drawingml/2006/main" xmlns:r="http://schemas.openxmlformats.org/officeDocument/2006/relationships" xmlns:p="http://schemas.openxmlformats.org/presentationml/2006/main">
+  <p:cSld>
+    <p:spTree>
+      <p:nvGrpSpPr>
+        <p:cNvPr id="1" name=""/>
+        <p:cNvGrpSpPr/>
+        <p:nvPr/>
+      </p:nvGrpSpPr>
+      <p:grpSpPr>
+        <a:xfrm>
+          <a:off x="0" y="0"/>
+          <a:ext cx="0" cy="0"/>
+          <a:chOff x="0" y="0"/>
+          <a:chExt cx="0" cy="0"/>
+        </a:xfrm>
+      </p:grpSpPr>
+      <p:sp>
+        <p:nvSpPr>
+          <p:cNvPr id="2" name="Title 1">
+            <a:extLst>
+              <a:ext uri="{FF2B5EF4-FFF2-40B4-BE49-F238E27FC236}">
+                <a16:creationId xmlns:a16="http://schemas.microsoft.com/office/drawing/2014/main" id="{22025D82-B5EF-C207-7F4C-B28479960CEF}"/>
+              </a:ext>
+            </a:extLst>
+          </p:cNvPr>
+          <p:cNvSpPr>
+            <a:spLocks noGrp="1"/>
+          </p:cNvSpPr>
+          <p:nvPr>
+            <p:ph type="title"/>
+          </p:nvPr>
+        </p:nvSpPr>
+        <p:spPr/>
+        <p:txBody>
+          <a:bodyPr/>
+          <a:lstStyle/>
+          <a:p>
+            <a:endParaRPr lang="en-GB"/>
+          </a:p>
+        </p:txBody>
+      </p:sp>
+      <p:sp>
+        <p:nvSpPr>
+          <p:cNvPr id="3" name="Content Placeholder 2">
+            <a:extLst>
+              <a:ext uri="{FF2B5EF4-FFF2-40B4-BE49-F238E27FC236}">
+                <a16:creationId xmlns:a16="http://schemas.microsoft.com/office/drawing/2014/main" id="{8F0D76DC-DB9C-8488-C086-D950F6978273}"/>
+              </a:ext>
+            </a:extLst>
+          </p:cNvPr>
+          <p:cNvSpPr>
+            <a:spLocks noGrp="1"/>
+          </p:cNvSpPr>
+          <p:nvPr>
+            <p:ph idx="1"/>
+          </p:nvPr>
+        </p:nvSpPr>
+        <p:spPr/>
+        <p:txBody>
+          <a:bodyPr/>
+          <a:lstStyle/>
+          <a:p>
+            <a:endParaRPr lang="en-GB"/>
+          </a:p>
+        </p:txBody>
+      </p:sp>
+      <p:pic>
+        <p:nvPicPr>
+          <p:cNvPr id="5" name="Picture 4">
+            <a:extLst>
+              <a:ext uri="{FF2B5EF4-FFF2-40B4-BE49-F238E27FC236}">
+                <a16:creationId xmlns:a16="http://schemas.microsoft.com/office/drawing/2014/main" id="{ABBC4C79-02EF-1531-F72D-31EADA2D52A8}"/>
+              </a:ext>
+            </a:extLst>
+          </p:cNvPr>
+          <p:cNvPicPr>
+            <a:picLocks noChangeAspect="1"/>
+          </p:cNvPicPr>
+          <p:nvPr/>
+        </p:nvPicPr>
+        <p:blipFill>
+          <a:blip r:embed="rId2"/>
+          <a:stretch>
+            <a:fillRect/>
+          </a:stretch>
+        </p:blipFill>
+        <p:spPr>
+          <a:xfrm>
+            <a:off x="1721283" y="526272"/>
+            <a:ext cx="9542581" cy="6331727"/>
+          </a:xfrm>
+          <a:prstGeom prst="rect">
+            <a:avLst/>
+          </a:prstGeom>
+        </p:spPr>
+      </p:pic>
+    </p:spTree>
+    <p:extLst>
+      <p:ext uri="{BB962C8B-B14F-4D97-AF65-F5344CB8AC3E}">
+        <p14:creationId xmlns:p14="http://schemas.microsoft.com/office/powerpoint/2010/main" val="3789883353"/>
+      </p:ext>
+    </p:extLst>
+  </p:cSld>
+  <p:clrMapOvr>
+    <a:masterClrMapping/>
+  </p:clrMapOvr>
+</p:sld>
+</file>
+
+<file path=ppt/slides/slide8.xml><?xml version="1.0" encoding="utf-8"?>
+<p:sld xmlns:a="http://schemas.openxmlformats.org/drawingml/2006/main" xmlns:r="http://schemas.openxmlformats.org/officeDocument/2006/relationships" xmlns:p="http://schemas.openxmlformats.org/presentationml/2006/main">
+  <p:cSld>
+    <p:spTree>
+      <p:nvGrpSpPr>
+        <p:cNvPr id="1" name=""/>
+        <p:cNvGrpSpPr/>
+        <p:nvPr/>
+      </p:nvGrpSpPr>
+      <p:grpSpPr>
+        <a:xfrm>
+          <a:off x="0" y="0"/>
+          <a:ext cx="0" cy="0"/>
+          <a:chOff x="0" y="0"/>
+          <a:chExt cx="0" cy="0"/>
+        </a:xfrm>
+      </p:grpSpPr>
+      <p:sp>
+        <p:nvSpPr>
+          <p:cNvPr id="2" name="Title 1">
+            <a:extLst>
+              <a:ext uri="{FF2B5EF4-FFF2-40B4-BE49-F238E27FC236}">
+                <a16:creationId xmlns:a16="http://schemas.microsoft.com/office/drawing/2014/main" id="{034C1C15-F51E-0851-1EA6-9DEC6557F0F7}"/>
+              </a:ext>
+            </a:extLst>
+          </p:cNvPr>
+          <p:cNvSpPr>
+            <a:spLocks noGrp="1"/>
+          </p:cNvSpPr>
+          <p:nvPr>
+            <p:ph type="title"/>
+          </p:nvPr>
+        </p:nvSpPr>
+        <p:spPr/>
+        <p:txBody>
+          <a:bodyPr/>
+          <a:lstStyle/>
+          <a:p>
+            <a:endParaRPr lang="en-GB"/>
+          </a:p>
+        </p:txBody>
+      </p:sp>
+      <p:sp>
+        <p:nvSpPr>
+          <p:cNvPr id="3" name="Content Placeholder 2">
+            <a:extLst>
+              <a:ext uri="{FF2B5EF4-FFF2-40B4-BE49-F238E27FC236}">
+                <a16:creationId xmlns:a16="http://schemas.microsoft.com/office/drawing/2014/main" id="{D88919BC-025F-53BC-DEBA-8A5BE6914329}"/>
+              </a:ext>
+            </a:extLst>
+          </p:cNvPr>
+          <p:cNvSpPr>
+            <a:spLocks noGrp="1"/>
+          </p:cNvSpPr>
+          <p:nvPr>
+            <p:ph idx="1"/>
+          </p:nvPr>
+        </p:nvSpPr>
+        <p:spPr/>
+        <p:txBody>
+          <a:bodyPr/>
+          <a:lstStyle/>
+          <a:p>
+            <a:endParaRPr lang="en-GB"/>
+          </a:p>
+        </p:txBody>
+      </p:sp>
+      <p:pic>
+        <p:nvPicPr>
+          <p:cNvPr id="5" name="Picture 4">
+            <a:extLst>
+              <a:ext uri="{FF2B5EF4-FFF2-40B4-BE49-F238E27FC236}">
+                <a16:creationId xmlns:a16="http://schemas.microsoft.com/office/drawing/2014/main" id="{835B9A79-7EB1-CE72-6327-9E87B5289C6D}"/>
+              </a:ext>
+            </a:extLst>
+          </p:cNvPr>
+          <p:cNvPicPr>
+            <a:picLocks noChangeAspect="1"/>
+          </p:cNvPicPr>
+          <p:nvPr/>
+        </p:nvPicPr>
+        <p:blipFill>
+          <a:blip r:embed="rId2"/>
+          <a:stretch>
+            <a:fillRect/>
+          </a:stretch>
+        </p:blipFill>
+        <p:spPr>
+          <a:xfrm>
+            <a:off x="1170959" y="1488305"/>
+            <a:ext cx="9481692" cy="4163763"/>
+          </a:xfrm>
+          <a:prstGeom prst="rect">
+            <a:avLst/>
+          </a:prstGeom>
+        </p:spPr>
+      </p:pic>
+    </p:spTree>
+    <p:extLst>
+      <p:ext uri="{BB962C8B-B14F-4D97-AF65-F5344CB8AC3E}">
+        <p14:creationId xmlns:p14="http://schemas.microsoft.com/office/powerpoint/2010/main" val="2344737061"/>
       </p:ext>
     </p:extLst>
   </p:cSld>

--- a/24Jan Meeting.pptx
+++ b/24Jan Meeting.pptx
@@ -10,9 +10,10 @@
     <p:sldId id="258" r:id="rId4"/>
     <p:sldId id="259" r:id="rId5"/>
     <p:sldId id="260" r:id="rId6"/>
-    <p:sldId id="261" r:id="rId7"/>
-    <p:sldId id="262" r:id="rId8"/>
-    <p:sldId id="263" r:id="rId9"/>
+    <p:sldId id="264" r:id="rId7"/>
+    <p:sldId id="261" r:id="rId8"/>
+    <p:sldId id="262" r:id="rId9"/>
+    <p:sldId id="263" r:id="rId10"/>
   </p:sldIdLst>
   <p:sldSz cx="12192000" cy="6858000"/>
   <p:notesSz cx="6858000" cy="9144000"/>
@@ -119,12 +120,20 @@
 </p:presentation>
 </file>
 
+<file path=ppt/revisionInfo.xml><?xml version="1.0" encoding="utf-8"?>
+<p1510:revInfo xmlns:a="http://schemas.openxmlformats.org/drawingml/2006/main" xmlns:r="http://schemas.openxmlformats.org/officeDocument/2006/relationships" xmlns:p1510="http://schemas.microsoft.com/office/powerpoint/2015/10/main">
+  <p1510:revLst>
+    <p1510:client id="{0F8B5D32-E5D4-40B5-BEFE-EC74F9C0E01A}" v="17" dt="2025-01-24T13:05:40.591"/>
+  </p1510:revLst>
+</p1510:revInfo>
+</file>
+
 <file path=ppt/changesInfos/changesInfo1.xml><?xml version="1.0" encoding="utf-8"?>
 <pc:chgInfo xmlns:a="http://schemas.openxmlformats.org/drawingml/2006/main" xmlns:r="http://schemas.openxmlformats.org/officeDocument/2006/relationships" xmlns:ac="http://schemas.microsoft.com/office/drawing/2013/main/command" xmlns:pc="http://schemas.microsoft.com/office/powerpoint/2013/main/command">
   <pc:docChgLst>
     <pc:chgData name="Gervasio Ramirez" userId="618ea012289dca19" providerId="LiveId" clId="{0F8B5D32-E5D4-40B5-BEFE-EC74F9C0E01A}"/>
-    <pc:docChg chg="custSel addSld modSld">
-      <pc:chgData name="Gervasio Ramirez" userId="618ea012289dca19" providerId="LiveId" clId="{0F8B5D32-E5D4-40B5-BEFE-EC74F9C0E01A}" dt="2025-01-22T15:55:17.586" v="46" actId="1076"/>
+    <pc:docChg chg="undo custSel addSld modSld">
+      <pc:chgData name="Gervasio Ramirez" userId="618ea012289dca19" providerId="LiveId" clId="{0F8B5D32-E5D4-40B5-BEFE-EC74F9C0E01A}" dt="2025-01-24T13:05:50.606" v="580" actId="14100"/>
       <pc:docMkLst>
         <pc:docMk/>
       </pc:docMkLst>
@@ -134,22 +143,6 @@
           <pc:docMk/>
           <pc:sldMk cId="349694370" sldId="256"/>
         </pc:sldMkLst>
-        <pc:spChg chg="del">
-          <ac:chgData name="Gervasio Ramirez" userId="618ea012289dca19" providerId="LiveId" clId="{0F8B5D32-E5D4-40B5-BEFE-EC74F9C0E01A}" dt="2025-01-22T14:44:12.825" v="1" actId="478"/>
-          <ac:spMkLst>
-            <pc:docMk/>
-            <pc:sldMk cId="349694370" sldId="256"/>
-            <ac:spMk id="2" creationId="{2716755A-1B3B-1CE9-7056-386E12464C26}"/>
-          </ac:spMkLst>
-        </pc:spChg>
-        <pc:spChg chg="del">
-          <ac:chgData name="Gervasio Ramirez" userId="618ea012289dca19" providerId="LiveId" clId="{0F8B5D32-E5D4-40B5-BEFE-EC74F9C0E01A}" dt="2025-01-22T14:44:13.786" v="2" actId="478"/>
-          <ac:spMkLst>
-            <pc:docMk/>
-            <pc:sldMk cId="349694370" sldId="256"/>
-            <ac:spMk id="3" creationId="{8B6E79BD-8B54-E3DA-A796-C40DEEF810A4}"/>
-          </ac:spMkLst>
-        </pc:spChg>
         <pc:picChg chg="add mod">
           <ac:chgData name="Gervasio Ramirez" userId="618ea012289dca19" providerId="LiveId" clId="{0F8B5D32-E5D4-40B5-BEFE-EC74F9C0E01A}" dt="2025-01-22T14:44:18.992" v="5" actId="1076"/>
           <ac:picMkLst>
@@ -165,22 +158,6 @@
           <pc:docMk/>
           <pc:sldMk cId="2851834704" sldId="257"/>
         </pc:sldMkLst>
-        <pc:spChg chg="del">
-          <ac:chgData name="Gervasio Ramirez" userId="618ea012289dca19" providerId="LiveId" clId="{0F8B5D32-E5D4-40B5-BEFE-EC74F9C0E01A}" dt="2025-01-22T14:48:56.666" v="7" actId="478"/>
-          <ac:spMkLst>
-            <pc:docMk/>
-            <pc:sldMk cId="2851834704" sldId="257"/>
-            <ac:spMk id="2" creationId="{1BD3A141-FCE6-DA40-C75A-2AC59C074F3C}"/>
-          </ac:spMkLst>
-        </pc:spChg>
-        <pc:spChg chg="del">
-          <ac:chgData name="Gervasio Ramirez" userId="618ea012289dca19" providerId="LiveId" clId="{0F8B5D32-E5D4-40B5-BEFE-EC74F9C0E01A}" dt="2025-01-22T14:48:58.049" v="8" actId="478"/>
-          <ac:spMkLst>
-            <pc:docMk/>
-            <pc:sldMk cId="2851834704" sldId="257"/>
-            <ac:spMk id="3" creationId="{18211F44-6B0D-97B8-BA4C-577E06689A06}"/>
-          </ac:spMkLst>
-        </pc:spChg>
         <pc:picChg chg="add">
           <ac:chgData name="Gervasio Ramirez" userId="618ea012289dca19" providerId="LiveId" clId="{0F8B5D32-E5D4-40B5-BEFE-EC74F9C0E01A}" dt="2025-01-22T14:48:58.865" v="9" actId="22"/>
           <ac:picMkLst>
@@ -196,22 +173,6 @@
           <pc:docMk/>
           <pc:sldMk cId="3615873531" sldId="258"/>
         </pc:sldMkLst>
-        <pc:spChg chg="del">
-          <ac:chgData name="Gervasio Ramirez" userId="618ea012289dca19" providerId="LiveId" clId="{0F8B5D32-E5D4-40B5-BEFE-EC74F9C0E01A}" dt="2025-01-22T14:50:49.011" v="12" actId="478"/>
-          <ac:spMkLst>
-            <pc:docMk/>
-            <pc:sldMk cId="3615873531" sldId="258"/>
-            <ac:spMk id="2" creationId="{A8257878-0E3F-5E3A-DB82-23A88207DFBA}"/>
-          </ac:spMkLst>
-        </pc:spChg>
-        <pc:spChg chg="del">
-          <ac:chgData name="Gervasio Ramirez" userId="618ea012289dca19" providerId="LiveId" clId="{0F8B5D32-E5D4-40B5-BEFE-EC74F9C0E01A}" dt="2025-01-22T14:50:48.397" v="11" actId="478"/>
-          <ac:spMkLst>
-            <pc:docMk/>
-            <pc:sldMk cId="3615873531" sldId="258"/>
-            <ac:spMk id="3" creationId="{A6BFFBB3-0045-51F2-8003-E3B8BA06F193}"/>
-          </ac:spMkLst>
-        </pc:spChg>
         <pc:picChg chg="add">
           <ac:chgData name="Gervasio Ramirez" userId="618ea012289dca19" providerId="LiveId" clId="{0F8B5D32-E5D4-40B5-BEFE-EC74F9C0E01A}" dt="2025-01-22T14:50:49.875" v="13" actId="22"/>
           <ac:picMkLst>
@@ -227,22 +188,6 @@
           <pc:docMk/>
           <pc:sldMk cId="2348909789" sldId="259"/>
         </pc:sldMkLst>
-        <pc:spChg chg="del">
-          <ac:chgData name="Gervasio Ramirez" userId="618ea012289dca19" providerId="LiveId" clId="{0F8B5D32-E5D4-40B5-BEFE-EC74F9C0E01A}" dt="2025-01-22T14:52:07.015" v="17" actId="478"/>
-          <ac:spMkLst>
-            <pc:docMk/>
-            <pc:sldMk cId="2348909789" sldId="259"/>
-            <ac:spMk id="2" creationId="{849F020C-A2F2-F7FD-28E6-96C12308CD4D}"/>
-          </ac:spMkLst>
-        </pc:spChg>
-        <pc:spChg chg="del">
-          <ac:chgData name="Gervasio Ramirez" userId="618ea012289dca19" providerId="LiveId" clId="{0F8B5D32-E5D4-40B5-BEFE-EC74F9C0E01A}" dt="2025-01-22T14:52:06.169" v="16" actId="478"/>
-          <ac:spMkLst>
-            <pc:docMk/>
-            <pc:sldMk cId="2348909789" sldId="259"/>
-            <ac:spMk id="3" creationId="{9A52E70A-5945-051D-CEE7-1D7D3C9B5F3C}"/>
-          </ac:spMkLst>
-        </pc:spChg>
         <pc:spChg chg="add mod">
           <ac:chgData name="Gervasio Ramirez" userId="618ea012289dca19" providerId="LiveId" clId="{0F8B5D32-E5D4-40B5-BEFE-EC74F9C0E01A}" dt="2025-01-22T15:22:26.198" v="20" actId="1076"/>
           <ac:spMkLst>
@@ -336,6 +281,229 @@
           </ac:picMkLst>
         </pc:picChg>
       </pc:sldChg>
+      <pc:sldChg chg="addSp delSp modSp new mod">
+        <pc:chgData name="Gervasio Ramirez" userId="618ea012289dca19" providerId="LiveId" clId="{0F8B5D32-E5D4-40B5-BEFE-EC74F9C0E01A}" dt="2025-01-24T13:05:50.606" v="580" actId="14100"/>
+        <pc:sldMkLst>
+          <pc:docMk/>
+          <pc:sldMk cId="2829020198" sldId="264"/>
+        </pc:sldMkLst>
+        <pc:spChg chg="del">
+          <ac:chgData name="Gervasio Ramirez" userId="618ea012289dca19" providerId="LiveId" clId="{0F8B5D32-E5D4-40B5-BEFE-EC74F9C0E01A}" dt="2025-01-24T12:43:56.706" v="49" actId="478"/>
+          <ac:spMkLst>
+            <pc:docMk/>
+            <pc:sldMk cId="2829020198" sldId="264"/>
+            <ac:spMk id="2" creationId="{BF9E74CD-C71A-C823-13E1-499C957B36EE}"/>
+          </ac:spMkLst>
+        </pc:spChg>
+        <pc:spChg chg="del">
+          <ac:chgData name="Gervasio Ramirez" userId="618ea012289dca19" providerId="LiveId" clId="{0F8B5D32-E5D4-40B5-BEFE-EC74F9C0E01A}" dt="2025-01-24T12:43:56.226" v="48" actId="478"/>
+          <ac:spMkLst>
+            <pc:docMk/>
+            <pc:sldMk cId="2829020198" sldId="264"/>
+            <ac:spMk id="3" creationId="{DB1C1E94-9F93-1527-3FFC-D625A5CBE7A6}"/>
+          </ac:spMkLst>
+        </pc:spChg>
+        <pc:spChg chg="add mod">
+          <ac:chgData name="Gervasio Ramirez" userId="618ea012289dca19" providerId="LiveId" clId="{0F8B5D32-E5D4-40B5-BEFE-EC74F9C0E01A}" dt="2025-01-24T13:02:03.781" v="572" actId="2711"/>
+          <ac:spMkLst>
+            <pc:docMk/>
+            <pc:sldMk cId="2829020198" sldId="264"/>
+            <ac:spMk id="4" creationId="{C8431A89-1AED-12D2-8D1D-2E271651503C}"/>
+          </ac:spMkLst>
+        </pc:spChg>
+        <pc:spChg chg="add mod">
+          <ac:chgData name="Gervasio Ramirez" userId="618ea012289dca19" providerId="LiveId" clId="{0F8B5D32-E5D4-40B5-BEFE-EC74F9C0E01A}" dt="2025-01-24T13:02:03.781" v="572" actId="2711"/>
+          <ac:spMkLst>
+            <pc:docMk/>
+            <pc:sldMk cId="2829020198" sldId="264"/>
+            <ac:spMk id="5" creationId="{959ED2E6-2618-10B4-91B8-65A85F88ADB1}"/>
+          </ac:spMkLst>
+        </pc:spChg>
+        <pc:spChg chg="add mod">
+          <ac:chgData name="Gervasio Ramirez" userId="618ea012289dca19" providerId="LiveId" clId="{0F8B5D32-E5D4-40B5-BEFE-EC74F9C0E01A}" dt="2025-01-24T12:48:15.518" v="271" actId="1076"/>
+          <ac:spMkLst>
+            <pc:docMk/>
+            <pc:sldMk cId="2829020198" sldId="264"/>
+            <ac:spMk id="6" creationId="{F2D2EF7F-1A7E-601F-21F0-CDBABEA0E7F1}"/>
+          </ac:spMkLst>
+        </pc:spChg>
+        <pc:spChg chg="add mod">
+          <ac:chgData name="Gervasio Ramirez" userId="618ea012289dca19" providerId="LiveId" clId="{0F8B5D32-E5D4-40B5-BEFE-EC74F9C0E01A}" dt="2025-01-24T12:48:15.518" v="271" actId="1076"/>
+          <ac:spMkLst>
+            <pc:docMk/>
+            <pc:sldMk cId="2829020198" sldId="264"/>
+            <ac:spMk id="8" creationId="{0CBD83E7-3996-24C8-1D7E-3CD19A1B0307}"/>
+          </ac:spMkLst>
+        </pc:spChg>
+        <pc:spChg chg="add mod">
+          <ac:chgData name="Gervasio Ramirez" userId="618ea012289dca19" providerId="LiveId" clId="{0F8B5D32-E5D4-40B5-BEFE-EC74F9C0E01A}" dt="2025-01-24T12:52:19.505" v="384" actId="13822"/>
+          <ac:spMkLst>
+            <pc:docMk/>
+            <pc:sldMk cId="2829020198" sldId="264"/>
+            <ac:spMk id="9" creationId="{44FC1EFE-4D40-988C-7FB0-B353E669088B}"/>
+          </ac:spMkLst>
+        </pc:spChg>
+        <pc:spChg chg="add mod">
+          <ac:chgData name="Gervasio Ramirez" userId="618ea012289dca19" providerId="LiveId" clId="{0F8B5D32-E5D4-40B5-BEFE-EC74F9C0E01A}" dt="2025-01-24T12:52:19.505" v="384" actId="13822"/>
+          <ac:spMkLst>
+            <pc:docMk/>
+            <pc:sldMk cId="2829020198" sldId="264"/>
+            <ac:spMk id="10" creationId="{C5B89D20-564A-C517-D62A-7EB869194619}"/>
+          </ac:spMkLst>
+        </pc:spChg>
+        <pc:spChg chg="add del mod">
+          <ac:chgData name="Gervasio Ramirez" userId="618ea012289dca19" providerId="LiveId" clId="{0F8B5D32-E5D4-40B5-BEFE-EC74F9C0E01A}" dt="2025-01-24T12:49:17.270" v="308" actId="478"/>
+          <ac:spMkLst>
+            <pc:docMk/>
+            <pc:sldMk cId="2829020198" sldId="264"/>
+            <ac:spMk id="11" creationId="{FC057273-FB55-C145-55C1-81AA47CDEE77}"/>
+          </ac:spMkLst>
+        </pc:spChg>
+        <pc:spChg chg="add mod">
+          <ac:chgData name="Gervasio Ramirez" userId="618ea012289dca19" providerId="LiveId" clId="{0F8B5D32-E5D4-40B5-BEFE-EC74F9C0E01A}" dt="2025-01-24T13:02:03.781" v="572" actId="2711"/>
+          <ac:spMkLst>
+            <pc:docMk/>
+            <pc:sldMk cId="2829020198" sldId="264"/>
+            <ac:spMk id="12" creationId="{0C183A06-4B2A-E017-B6BF-B4E33C38087F}"/>
+          </ac:spMkLst>
+        </pc:spChg>
+        <pc:spChg chg="add mod">
+          <ac:chgData name="Gervasio Ramirez" userId="618ea012289dca19" providerId="LiveId" clId="{0F8B5D32-E5D4-40B5-BEFE-EC74F9C0E01A}" dt="2025-01-24T13:02:03.781" v="572" actId="2711"/>
+          <ac:spMkLst>
+            <pc:docMk/>
+            <pc:sldMk cId="2829020198" sldId="264"/>
+            <ac:spMk id="13" creationId="{D26DEFF2-3EEE-A9E1-9F4D-8370A2F67C01}"/>
+          </ac:spMkLst>
+        </pc:spChg>
+        <pc:spChg chg="add mod">
+          <ac:chgData name="Gervasio Ramirez" userId="618ea012289dca19" providerId="LiveId" clId="{0F8B5D32-E5D4-40B5-BEFE-EC74F9C0E01A}" dt="2025-01-24T13:05:14.715" v="576" actId="14100"/>
+          <ac:spMkLst>
+            <pc:docMk/>
+            <pc:sldMk cId="2829020198" sldId="264"/>
+            <ac:spMk id="14" creationId="{5D744251-38C8-A6C5-906B-C99048368656}"/>
+          </ac:spMkLst>
+        </pc:spChg>
+        <pc:spChg chg="add mod">
+          <ac:chgData name="Gervasio Ramirez" userId="618ea012289dca19" providerId="LiveId" clId="{0F8B5D32-E5D4-40B5-BEFE-EC74F9C0E01A}" dt="2025-01-24T13:04:59.885" v="574" actId="207"/>
+          <ac:spMkLst>
+            <pc:docMk/>
+            <pc:sldMk cId="2829020198" sldId="264"/>
+            <ac:spMk id="15" creationId="{4DAA5689-6737-CFB6-1B62-7D777468CCFB}"/>
+          </ac:spMkLst>
+        </pc:spChg>
+        <pc:spChg chg="add mod">
+          <ac:chgData name="Gervasio Ramirez" userId="618ea012289dca19" providerId="LiveId" clId="{0F8B5D32-E5D4-40B5-BEFE-EC74F9C0E01A}" dt="2025-01-24T13:04:59.885" v="574" actId="207"/>
+          <ac:spMkLst>
+            <pc:docMk/>
+            <pc:sldMk cId="2829020198" sldId="264"/>
+            <ac:spMk id="16" creationId="{56C24894-0F61-8228-B6B8-F85B1ACB7753}"/>
+          </ac:spMkLst>
+        </pc:spChg>
+        <pc:spChg chg="add mod">
+          <ac:chgData name="Gervasio Ramirez" userId="618ea012289dca19" providerId="LiveId" clId="{0F8B5D32-E5D4-40B5-BEFE-EC74F9C0E01A}" dt="2025-01-24T13:04:59.885" v="574" actId="207"/>
+          <ac:spMkLst>
+            <pc:docMk/>
+            <pc:sldMk cId="2829020198" sldId="264"/>
+            <ac:spMk id="17" creationId="{655EA927-A4E8-BEAE-58CB-739525B051AC}"/>
+          </ac:spMkLst>
+        </pc:spChg>
+        <pc:spChg chg="add del mod">
+          <ac:chgData name="Gervasio Ramirez" userId="618ea012289dca19" providerId="LiveId" clId="{0F8B5D32-E5D4-40B5-BEFE-EC74F9C0E01A}" dt="2025-01-24T12:50:30.750" v="324" actId="478"/>
+          <ac:spMkLst>
+            <pc:docMk/>
+            <pc:sldMk cId="2829020198" sldId="264"/>
+            <ac:spMk id="18" creationId="{97EFE7E0-52EA-6D48-18E8-A2B68E14E60D}"/>
+          </ac:spMkLst>
+        </pc:spChg>
+        <pc:spChg chg="add mod">
+          <ac:chgData name="Gervasio Ramirez" userId="618ea012289dca19" providerId="LiveId" clId="{0F8B5D32-E5D4-40B5-BEFE-EC74F9C0E01A}" dt="2025-01-24T13:02:03.781" v="572" actId="2711"/>
+          <ac:spMkLst>
+            <pc:docMk/>
+            <pc:sldMk cId="2829020198" sldId="264"/>
+            <ac:spMk id="19" creationId="{D0A15FA6-2D49-807E-6272-CF1967E2FF86}"/>
+          </ac:spMkLst>
+        </pc:spChg>
+        <pc:spChg chg="add mod">
+          <ac:chgData name="Gervasio Ramirez" userId="618ea012289dca19" providerId="LiveId" clId="{0F8B5D32-E5D4-40B5-BEFE-EC74F9C0E01A}" dt="2025-01-24T12:55:08.634" v="567" actId="208"/>
+          <ac:spMkLst>
+            <pc:docMk/>
+            <pc:sldMk cId="2829020198" sldId="264"/>
+            <ac:spMk id="20" creationId="{17EE8A5D-0A3D-5082-3146-8DE173A2C756}"/>
+          </ac:spMkLst>
+        </pc:spChg>
+        <pc:spChg chg="add del mod">
+          <ac:chgData name="Gervasio Ramirez" userId="618ea012289dca19" providerId="LiveId" clId="{0F8B5D32-E5D4-40B5-BEFE-EC74F9C0E01A}" dt="2025-01-24T12:53:09.238" v="463" actId="478"/>
+          <ac:spMkLst>
+            <pc:docMk/>
+            <pc:sldMk cId="2829020198" sldId="264"/>
+            <ac:spMk id="21" creationId="{44E5AC3B-93E2-B9A3-8997-3BCC72203ED8}"/>
+          </ac:spMkLst>
+        </pc:spChg>
+        <pc:spChg chg="add mod">
+          <ac:chgData name="Gervasio Ramirez" userId="618ea012289dca19" providerId="LiveId" clId="{0F8B5D32-E5D4-40B5-BEFE-EC74F9C0E01A}" dt="2025-01-24T13:04:59.885" v="574" actId="207"/>
+          <ac:spMkLst>
+            <pc:docMk/>
+            <pc:sldMk cId="2829020198" sldId="264"/>
+            <ac:spMk id="22" creationId="{816F5EFD-8315-5BE3-F7C8-9DD3C0361C07}"/>
+          </ac:spMkLst>
+        </pc:spChg>
+        <pc:spChg chg="add mod">
+          <ac:chgData name="Gervasio Ramirez" userId="618ea012289dca19" providerId="LiveId" clId="{0F8B5D32-E5D4-40B5-BEFE-EC74F9C0E01A}" dt="2025-01-24T12:55:30.853" v="569" actId="208"/>
+          <ac:spMkLst>
+            <pc:docMk/>
+            <pc:sldMk cId="2829020198" sldId="264"/>
+            <ac:spMk id="23" creationId="{569A4EBE-06FC-3F77-961F-47DC2FCAABA9}"/>
+          </ac:spMkLst>
+        </pc:spChg>
+        <pc:spChg chg="add mod">
+          <ac:chgData name="Gervasio Ramirez" userId="618ea012289dca19" providerId="LiveId" clId="{0F8B5D32-E5D4-40B5-BEFE-EC74F9C0E01A}" dt="2025-01-24T13:02:03.781" v="572" actId="2711"/>
+          <ac:spMkLst>
+            <pc:docMk/>
+            <pc:sldMk cId="2829020198" sldId="264"/>
+            <ac:spMk id="24" creationId="{7CAD078B-DCFD-C10A-262D-DB2FFA3B6F98}"/>
+          </ac:spMkLst>
+        </pc:spChg>
+        <pc:spChg chg="add mod">
+          <ac:chgData name="Gervasio Ramirez" userId="618ea012289dca19" providerId="LiveId" clId="{0F8B5D32-E5D4-40B5-BEFE-EC74F9C0E01A}" dt="2025-01-24T12:55:53.046" v="571" actId="207"/>
+          <ac:spMkLst>
+            <pc:docMk/>
+            <pc:sldMk cId="2829020198" sldId="264"/>
+            <ac:spMk id="25" creationId="{F0C4FC9B-D808-49F1-A365-7447D8B3C6BA}"/>
+          </ac:spMkLst>
+        </pc:spChg>
+        <pc:spChg chg="add mod">
+          <ac:chgData name="Gervasio Ramirez" userId="618ea012289dca19" providerId="LiveId" clId="{0F8B5D32-E5D4-40B5-BEFE-EC74F9C0E01A}" dt="2025-01-24T13:02:03.781" v="572" actId="2711"/>
+          <ac:spMkLst>
+            <pc:docMk/>
+            <pc:sldMk cId="2829020198" sldId="264"/>
+            <ac:spMk id="26" creationId="{207D022D-B626-F4A7-9089-347A0278142F}"/>
+          </ac:spMkLst>
+        </pc:spChg>
+        <pc:spChg chg="add mod">
+          <ac:chgData name="Gervasio Ramirez" userId="618ea012289dca19" providerId="LiveId" clId="{0F8B5D32-E5D4-40B5-BEFE-EC74F9C0E01A}" dt="2025-01-24T12:55:08.634" v="567" actId="208"/>
+          <ac:spMkLst>
+            <pc:docMk/>
+            <pc:sldMk cId="2829020198" sldId="264"/>
+            <ac:spMk id="27" creationId="{28C93EE7-01E3-4BCE-1A4F-E75649F71833}"/>
+          </ac:spMkLst>
+        </pc:spChg>
+        <pc:spChg chg="add mod">
+          <ac:chgData name="Gervasio Ramirez" userId="618ea012289dca19" providerId="LiveId" clId="{0F8B5D32-E5D4-40B5-BEFE-EC74F9C0E01A}" dt="2025-01-24T12:55:08.634" v="567" actId="208"/>
+          <ac:spMkLst>
+            <pc:docMk/>
+            <pc:sldMk cId="2829020198" sldId="264"/>
+            <ac:spMk id="28" creationId="{60933316-CAE5-9B07-DD9F-3E3A3CA34641}"/>
+          </ac:spMkLst>
+        </pc:spChg>
+        <pc:spChg chg="add mod">
+          <ac:chgData name="Gervasio Ramirez" userId="618ea012289dca19" providerId="LiveId" clId="{0F8B5D32-E5D4-40B5-BEFE-EC74F9C0E01A}" dt="2025-01-24T13:05:50.606" v="580" actId="14100"/>
+          <ac:spMkLst>
+            <pc:docMk/>
+            <pc:sldMk cId="2829020198" sldId="264"/>
+            <ac:spMk id="29" creationId="{6109554B-ABF3-3511-A6CF-F665289445C7}"/>
+          </ac:spMkLst>
+        </pc:spChg>
+      </pc:sldChg>
     </pc:docChg>
   </pc:docChgLst>
 </pc:chgInfo>
@@ -488,7 +656,7 @@
           <a:p>
             <a:fld id="{A39CE5A6-BCB3-4A52-B2B0-6AF29EDCA084}" type="datetimeFigureOut">
               <a:rPr lang="en-GB" smtClean="0"/>
-              <a:t>22/01/2025</a:t>
+              <a:t>24/01/2025</a:t>
             </a:fld>
             <a:endParaRPr lang="en-GB"/>
           </a:p>
@@ -686,7 +854,7 @@
           <a:p>
             <a:fld id="{A39CE5A6-BCB3-4A52-B2B0-6AF29EDCA084}" type="datetimeFigureOut">
               <a:rPr lang="en-GB" smtClean="0"/>
-              <a:t>22/01/2025</a:t>
+              <a:t>24/01/2025</a:t>
             </a:fld>
             <a:endParaRPr lang="en-GB"/>
           </a:p>
@@ -894,7 +1062,7 @@
           <a:p>
             <a:fld id="{A39CE5A6-BCB3-4A52-B2B0-6AF29EDCA084}" type="datetimeFigureOut">
               <a:rPr lang="en-GB" smtClean="0"/>
-              <a:t>22/01/2025</a:t>
+              <a:t>24/01/2025</a:t>
             </a:fld>
             <a:endParaRPr lang="en-GB"/>
           </a:p>
@@ -1092,7 +1260,7 @@
           <a:p>
             <a:fld id="{A39CE5A6-BCB3-4A52-B2B0-6AF29EDCA084}" type="datetimeFigureOut">
               <a:rPr lang="en-GB" smtClean="0"/>
-              <a:t>22/01/2025</a:t>
+              <a:t>24/01/2025</a:t>
             </a:fld>
             <a:endParaRPr lang="en-GB"/>
           </a:p>
@@ -1367,7 +1535,7 @@
           <a:p>
             <a:fld id="{A39CE5A6-BCB3-4A52-B2B0-6AF29EDCA084}" type="datetimeFigureOut">
               <a:rPr lang="en-GB" smtClean="0"/>
-              <a:t>22/01/2025</a:t>
+              <a:t>24/01/2025</a:t>
             </a:fld>
             <a:endParaRPr lang="en-GB"/>
           </a:p>
@@ -1632,7 +1800,7 @@
           <a:p>
             <a:fld id="{A39CE5A6-BCB3-4A52-B2B0-6AF29EDCA084}" type="datetimeFigureOut">
               <a:rPr lang="en-GB" smtClean="0"/>
-              <a:t>22/01/2025</a:t>
+              <a:t>24/01/2025</a:t>
             </a:fld>
             <a:endParaRPr lang="en-GB"/>
           </a:p>
@@ -2044,7 +2212,7 @@
           <a:p>
             <a:fld id="{A39CE5A6-BCB3-4A52-B2B0-6AF29EDCA084}" type="datetimeFigureOut">
               <a:rPr lang="en-GB" smtClean="0"/>
-              <a:t>22/01/2025</a:t>
+              <a:t>24/01/2025</a:t>
             </a:fld>
             <a:endParaRPr lang="en-GB"/>
           </a:p>
@@ -2185,7 +2353,7 @@
           <a:p>
             <a:fld id="{A39CE5A6-BCB3-4A52-B2B0-6AF29EDCA084}" type="datetimeFigureOut">
               <a:rPr lang="en-GB" smtClean="0"/>
-              <a:t>22/01/2025</a:t>
+              <a:t>24/01/2025</a:t>
             </a:fld>
             <a:endParaRPr lang="en-GB"/>
           </a:p>
@@ -2298,7 +2466,7 @@
           <a:p>
             <a:fld id="{A39CE5A6-BCB3-4A52-B2B0-6AF29EDCA084}" type="datetimeFigureOut">
               <a:rPr lang="en-GB" smtClean="0"/>
-              <a:t>22/01/2025</a:t>
+              <a:t>24/01/2025</a:t>
             </a:fld>
             <a:endParaRPr lang="en-GB"/>
           </a:p>
@@ -2609,7 +2777,7 @@
           <a:p>
             <a:fld id="{A39CE5A6-BCB3-4A52-B2B0-6AF29EDCA084}" type="datetimeFigureOut">
               <a:rPr lang="en-GB" smtClean="0"/>
-              <a:t>22/01/2025</a:t>
+              <a:t>24/01/2025</a:t>
             </a:fld>
             <a:endParaRPr lang="en-GB"/>
           </a:p>
@@ -2897,7 +3065,7 @@
           <a:p>
             <a:fld id="{A39CE5A6-BCB3-4A52-B2B0-6AF29EDCA084}" type="datetimeFigureOut">
               <a:rPr lang="en-GB" smtClean="0"/>
-              <a:t>22/01/2025</a:t>
+              <a:t>24/01/2025</a:t>
             </a:fld>
             <a:endParaRPr lang="en-GB"/>
           </a:p>
@@ -3138,7 +3306,7 @@
           <a:p>
             <a:fld id="{A39CE5A6-BCB3-4A52-B2B0-6AF29EDCA084}" type="datetimeFigureOut">
               <a:rPr lang="en-GB" smtClean="0"/>
-              <a:t>22/01/2025</a:t>
+              <a:t>24/01/2025</a:t>
             </a:fld>
             <a:endParaRPr lang="en-GB"/>
           </a:p>
@@ -4032,6 +4200,1294 @@
       </p:grpSpPr>
       <p:sp>
         <p:nvSpPr>
+          <p:cNvPr id="4" name="Rectangle 3">
+            <a:extLst>
+              <a:ext uri="{FF2B5EF4-FFF2-40B4-BE49-F238E27FC236}">
+                <a16:creationId xmlns:a16="http://schemas.microsoft.com/office/drawing/2014/main" id="{C8431A89-1AED-12D2-8D1D-2E271651503C}"/>
+              </a:ext>
+            </a:extLst>
+          </p:cNvPr>
+          <p:cNvSpPr/>
+          <p:nvPr/>
+        </p:nvSpPr>
+        <p:spPr>
+          <a:xfrm>
+            <a:off x="567950" y="1311964"/>
+            <a:ext cx="2050301" cy="1658416"/>
+          </a:xfrm>
+          <a:prstGeom prst="rect">
+            <a:avLst/>
+          </a:prstGeom>
+        </p:spPr>
+        <p:style>
+          <a:lnRef idx="2">
+            <a:schemeClr val="dk1">
+              <a:shade val="15000"/>
+            </a:schemeClr>
+          </a:lnRef>
+          <a:fillRef idx="1">
+            <a:schemeClr val="dk1"/>
+          </a:fillRef>
+          <a:effectRef idx="0">
+            <a:schemeClr val="dk1"/>
+          </a:effectRef>
+          <a:fontRef idx="minor">
+            <a:schemeClr val="lt1"/>
+          </a:fontRef>
+        </p:style>
+        <p:txBody>
+          <a:bodyPr rtlCol="0" anchor="ctr"/>
+          <a:lstStyle/>
+          <a:p>
+            <a:pPr algn="ctr"/>
+            <a:r>
+              <a:rPr lang="en-GB" dirty="0">
+                <a:latin typeface="Arial" panose="020B0604020202020204" pitchFamily="34" charset="0"/>
+                <a:cs typeface="Arial" panose="020B0604020202020204" pitchFamily="34" charset="0"/>
+              </a:rPr>
+              <a:t>Electricity consumption time series of +15k Households</a:t>
+            </a:r>
+          </a:p>
+        </p:txBody>
+      </p:sp>
+      <p:sp>
+        <p:nvSpPr>
+          <p:cNvPr id="5" name="Rectangle 4">
+            <a:extLst>
+              <a:ext uri="{FF2B5EF4-FFF2-40B4-BE49-F238E27FC236}">
+                <a16:creationId xmlns:a16="http://schemas.microsoft.com/office/drawing/2014/main" id="{959ED2E6-2618-10B4-91B8-65A85F88ADB1}"/>
+              </a:ext>
+            </a:extLst>
+          </p:cNvPr>
+          <p:cNvSpPr/>
+          <p:nvPr/>
+        </p:nvSpPr>
+        <p:spPr>
+          <a:xfrm>
+            <a:off x="3117100" y="1311964"/>
+            <a:ext cx="2050301" cy="1658416"/>
+          </a:xfrm>
+          <a:prstGeom prst="rect">
+            <a:avLst/>
+          </a:prstGeom>
+        </p:spPr>
+        <p:style>
+          <a:lnRef idx="2">
+            <a:schemeClr val="dk1">
+              <a:shade val="15000"/>
+            </a:schemeClr>
+          </a:lnRef>
+          <a:fillRef idx="1">
+            <a:schemeClr val="dk1"/>
+          </a:fillRef>
+          <a:effectRef idx="0">
+            <a:schemeClr val="dk1"/>
+          </a:effectRef>
+          <a:fontRef idx="minor">
+            <a:schemeClr val="lt1"/>
+          </a:fontRef>
+        </p:style>
+        <p:txBody>
+          <a:bodyPr rtlCol="0" anchor="ctr"/>
+          <a:lstStyle/>
+          <a:p>
+            <a:pPr algn="ctr"/>
+            <a:r>
+              <a:rPr lang="en-GB" dirty="0">
+                <a:latin typeface="Arial" panose="020B0604020202020204" pitchFamily="34" charset="0"/>
+                <a:cs typeface="Arial" panose="020B0604020202020204" pitchFamily="34" charset="0"/>
+              </a:rPr>
+              <a:t>Data Preparation</a:t>
+            </a:r>
+          </a:p>
+        </p:txBody>
+      </p:sp>
+      <p:sp>
+        <p:nvSpPr>
+          <p:cNvPr id="6" name="Rectangle 5">
+            <a:extLst>
+              <a:ext uri="{FF2B5EF4-FFF2-40B4-BE49-F238E27FC236}">
+                <a16:creationId xmlns:a16="http://schemas.microsoft.com/office/drawing/2014/main" id="{F2D2EF7F-1A7E-601F-21F0-CDBABEA0E7F1}"/>
+              </a:ext>
+            </a:extLst>
+          </p:cNvPr>
+          <p:cNvSpPr/>
+          <p:nvPr/>
+        </p:nvSpPr>
+        <p:spPr>
+          <a:xfrm>
+            <a:off x="5666250" y="1311964"/>
+            <a:ext cx="3239211" cy="2845432"/>
+          </a:xfrm>
+          <a:prstGeom prst="rect">
+            <a:avLst/>
+          </a:prstGeom>
+          <a:solidFill>
+            <a:schemeClr val="accent1">
+              <a:alpha val="50000"/>
+            </a:schemeClr>
+          </a:solidFill>
+          <a:ln>
+            <a:noFill/>
+          </a:ln>
+        </p:spPr>
+        <p:style>
+          <a:lnRef idx="0">
+            <a:scrgbClr r="0" g="0" b="0"/>
+          </a:lnRef>
+          <a:fillRef idx="0">
+            <a:scrgbClr r="0" g="0" b="0"/>
+          </a:fillRef>
+          <a:effectRef idx="0">
+            <a:scrgbClr r="0" g="0" b="0"/>
+          </a:effectRef>
+          <a:fontRef idx="minor">
+            <a:schemeClr val="lt1"/>
+          </a:fontRef>
+        </p:style>
+        <p:txBody>
+          <a:bodyPr rtlCol="0" anchor="ctr"/>
+          <a:lstStyle/>
+          <a:p>
+            <a:pPr algn="ctr"/>
+            <a:endParaRPr lang="en-GB" dirty="0">
+              <a:latin typeface="Arial" panose="020B0604020202020204" pitchFamily="34" charset="0"/>
+              <a:cs typeface="Arial" panose="020B0604020202020204" pitchFamily="34" charset="0"/>
+            </a:endParaRPr>
+          </a:p>
+        </p:txBody>
+      </p:sp>
+      <p:sp>
+        <p:nvSpPr>
+          <p:cNvPr id="8" name="TextBox 7">
+            <a:extLst>
+              <a:ext uri="{FF2B5EF4-FFF2-40B4-BE49-F238E27FC236}">
+                <a16:creationId xmlns:a16="http://schemas.microsoft.com/office/drawing/2014/main" id="{0CBD83E7-3996-24C8-1D7E-3CD19A1B0307}"/>
+              </a:ext>
+            </a:extLst>
+          </p:cNvPr>
+          <p:cNvSpPr txBox="1"/>
+          <p:nvPr/>
+        </p:nvSpPr>
+        <p:spPr>
+          <a:xfrm>
+            <a:off x="5738427" y="1353101"/>
+            <a:ext cx="3094856" cy="369332"/>
+          </a:xfrm>
+          <a:prstGeom prst="rect">
+            <a:avLst/>
+          </a:prstGeom>
+          <a:noFill/>
+        </p:spPr>
+        <p:txBody>
+          <a:bodyPr wrap="square">
+            <a:spAutoFit/>
+          </a:bodyPr>
+          <a:lstStyle/>
+          <a:p>
+            <a:pPr algn="ctr"/>
+            <a:r>
+              <a:rPr lang="en-GB" dirty="0">
+                <a:latin typeface="Arial" panose="020B0604020202020204" pitchFamily="34" charset="0"/>
+                <a:cs typeface="Arial" panose="020B0604020202020204" pitchFamily="34" charset="0"/>
+              </a:rPr>
+              <a:t>Exploratory Data Analysis</a:t>
+            </a:r>
+          </a:p>
+        </p:txBody>
+      </p:sp>
+      <p:sp>
+        <p:nvSpPr>
+          <p:cNvPr id="9" name="Rectangle 8">
+            <a:extLst>
+              <a:ext uri="{FF2B5EF4-FFF2-40B4-BE49-F238E27FC236}">
+                <a16:creationId xmlns:a16="http://schemas.microsoft.com/office/drawing/2014/main" id="{44FC1EFE-4D40-988C-7FB0-B353E669088B}"/>
+              </a:ext>
+            </a:extLst>
+          </p:cNvPr>
+          <p:cNvSpPr/>
+          <p:nvPr/>
+        </p:nvSpPr>
+        <p:spPr>
+          <a:xfrm>
+            <a:off x="5799718" y="1769248"/>
+            <a:ext cx="2972274" cy="962593"/>
+          </a:xfrm>
+          <a:prstGeom prst="rect">
+            <a:avLst/>
+          </a:prstGeom>
+        </p:spPr>
+        <p:style>
+          <a:lnRef idx="2">
+            <a:schemeClr val="dk1">
+              <a:shade val="15000"/>
+            </a:schemeClr>
+          </a:lnRef>
+          <a:fillRef idx="1">
+            <a:schemeClr val="dk1"/>
+          </a:fillRef>
+          <a:effectRef idx="0">
+            <a:schemeClr val="dk1"/>
+          </a:effectRef>
+          <a:fontRef idx="minor">
+            <a:schemeClr val="lt1"/>
+          </a:fontRef>
+        </p:style>
+        <p:txBody>
+          <a:bodyPr rtlCol="0" anchor="ctr"/>
+          <a:lstStyle/>
+          <a:p>
+            <a:pPr algn="ctr"/>
+            <a:r>
+              <a:rPr lang="en-GB" dirty="0">
+                <a:latin typeface="Arial" panose="020B0604020202020204" pitchFamily="34" charset="0"/>
+                <a:cs typeface="Arial" panose="020B0604020202020204" pitchFamily="34" charset="0"/>
+              </a:rPr>
+              <a:t>Aggregated data</a:t>
+            </a:r>
+          </a:p>
+        </p:txBody>
+      </p:sp>
+      <p:sp>
+        <p:nvSpPr>
+          <p:cNvPr id="10" name="Rectangle 9">
+            <a:extLst>
+              <a:ext uri="{FF2B5EF4-FFF2-40B4-BE49-F238E27FC236}">
+                <a16:creationId xmlns:a16="http://schemas.microsoft.com/office/drawing/2014/main" id="{C5B89D20-564A-C517-D62A-7EB869194619}"/>
+              </a:ext>
+            </a:extLst>
+          </p:cNvPr>
+          <p:cNvSpPr/>
+          <p:nvPr/>
+        </p:nvSpPr>
+        <p:spPr>
+          <a:xfrm>
+            <a:off x="5799718" y="2963322"/>
+            <a:ext cx="2972274" cy="962593"/>
+          </a:xfrm>
+          <a:prstGeom prst="rect">
+            <a:avLst/>
+          </a:prstGeom>
+        </p:spPr>
+        <p:style>
+          <a:lnRef idx="2">
+            <a:schemeClr val="dk1">
+              <a:shade val="15000"/>
+            </a:schemeClr>
+          </a:lnRef>
+          <a:fillRef idx="1">
+            <a:schemeClr val="dk1"/>
+          </a:fillRef>
+          <a:effectRef idx="0">
+            <a:schemeClr val="dk1"/>
+          </a:effectRef>
+          <a:fontRef idx="minor">
+            <a:schemeClr val="lt1"/>
+          </a:fontRef>
+        </p:style>
+        <p:txBody>
+          <a:bodyPr rtlCol="0" anchor="ctr"/>
+          <a:lstStyle/>
+          <a:p>
+            <a:pPr algn="ctr"/>
+            <a:r>
+              <a:rPr lang="en-GB" dirty="0">
+                <a:latin typeface="Arial" panose="020B0604020202020204" pitchFamily="34" charset="0"/>
+                <a:cs typeface="Arial" panose="020B0604020202020204" pitchFamily="34" charset="0"/>
+              </a:rPr>
+              <a:t>Specific Household</a:t>
+            </a:r>
+          </a:p>
+        </p:txBody>
+      </p:sp>
+      <p:sp>
+        <p:nvSpPr>
+          <p:cNvPr id="12" name="Rectangle 11">
+            <a:extLst>
+              <a:ext uri="{FF2B5EF4-FFF2-40B4-BE49-F238E27FC236}">
+                <a16:creationId xmlns:a16="http://schemas.microsoft.com/office/drawing/2014/main" id="{0C183A06-4B2A-E017-B6BF-B4E33C38087F}"/>
+              </a:ext>
+            </a:extLst>
+          </p:cNvPr>
+          <p:cNvSpPr/>
+          <p:nvPr/>
+        </p:nvSpPr>
+        <p:spPr>
+          <a:xfrm>
+            <a:off x="9404310" y="1311964"/>
+            <a:ext cx="2050301" cy="1658416"/>
+          </a:xfrm>
+          <a:prstGeom prst="rect">
+            <a:avLst/>
+          </a:prstGeom>
+        </p:spPr>
+        <p:style>
+          <a:lnRef idx="2">
+            <a:schemeClr val="dk1">
+              <a:shade val="15000"/>
+            </a:schemeClr>
+          </a:lnRef>
+          <a:fillRef idx="1">
+            <a:schemeClr val="dk1"/>
+          </a:fillRef>
+          <a:effectRef idx="0">
+            <a:schemeClr val="dk1"/>
+          </a:effectRef>
+          <a:fontRef idx="minor">
+            <a:schemeClr val="lt1"/>
+          </a:fontRef>
+        </p:style>
+        <p:txBody>
+          <a:bodyPr rtlCol="0" anchor="ctr"/>
+          <a:lstStyle/>
+          <a:p>
+            <a:pPr algn="ctr"/>
+            <a:r>
+              <a:rPr lang="en-GB" dirty="0">
+                <a:latin typeface="Arial" panose="020B0604020202020204" pitchFamily="34" charset="0"/>
+                <a:cs typeface="Arial" panose="020B0604020202020204" pitchFamily="34" charset="0"/>
+              </a:rPr>
+              <a:t>Feature Extraction</a:t>
+            </a:r>
+          </a:p>
+        </p:txBody>
+      </p:sp>
+      <p:sp>
+        <p:nvSpPr>
+          <p:cNvPr id="13" name="Rectangle 12">
+            <a:extLst>
+              <a:ext uri="{FF2B5EF4-FFF2-40B4-BE49-F238E27FC236}">
+                <a16:creationId xmlns:a16="http://schemas.microsoft.com/office/drawing/2014/main" id="{D26DEFF2-3EEE-A9E1-9F4D-8370A2F67C01}"/>
+              </a:ext>
+            </a:extLst>
+          </p:cNvPr>
+          <p:cNvSpPr/>
+          <p:nvPr/>
+        </p:nvSpPr>
+        <p:spPr>
+          <a:xfrm>
+            <a:off x="9404309" y="4565372"/>
+            <a:ext cx="2050301" cy="1658416"/>
+          </a:xfrm>
+          <a:prstGeom prst="rect">
+            <a:avLst/>
+          </a:prstGeom>
+        </p:spPr>
+        <p:style>
+          <a:lnRef idx="2">
+            <a:schemeClr val="dk1">
+              <a:shade val="15000"/>
+            </a:schemeClr>
+          </a:lnRef>
+          <a:fillRef idx="1">
+            <a:schemeClr val="dk1"/>
+          </a:fillRef>
+          <a:effectRef idx="0">
+            <a:schemeClr val="dk1"/>
+          </a:effectRef>
+          <a:fontRef idx="minor">
+            <a:schemeClr val="lt1"/>
+          </a:fontRef>
+        </p:style>
+        <p:txBody>
+          <a:bodyPr rtlCol="0" anchor="ctr"/>
+          <a:lstStyle/>
+          <a:p>
+            <a:pPr algn="ctr"/>
+            <a:r>
+              <a:rPr lang="en-GB" dirty="0">
+                <a:latin typeface="Arial" panose="020B0604020202020204" pitchFamily="34" charset="0"/>
+                <a:cs typeface="Arial" panose="020B0604020202020204" pitchFamily="34" charset="0"/>
+              </a:rPr>
+              <a:t>Clustering</a:t>
+            </a:r>
+          </a:p>
+        </p:txBody>
+      </p:sp>
+      <p:sp>
+        <p:nvSpPr>
+          <p:cNvPr id="14" name="Arrow: Bent-Up 13">
+            <a:extLst>
+              <a:ext uri="{FF2B5EF4-FFF2-40B4-BE49-F238E27FC236}">
+                <a16:creationId xmlns:a16="http://schemas.microsoft.com/office/drawing/2014/main" id="{5D744251-38C8-A6C5-906B-C99048368656}"/>
+              </a:ext>
+            </a:extLst>
+          </p:cNvPr>
+          <p:cNvSpPr/>
+          <p:nvPr/>
+        </p:nvSpPr>
+        <p:spPr>
+          <a:xfrm flipH="1">
+            <a:off x="4026768" y="3017969"/>
+            <a:ext cx="1614396" cy="613386"/>
+          </a:xfrm>
+          <a:prstGeom prst="bentUpArrow">
+            <a:avLst/>
+          </a:prstGeom>
+          <a:ln>
+            <a:solidFill>
+              <a:schemeClr val="tx2">
+                <a:lumMod val="75000"/>
+                <a:lumOff val="25000"/>
+              </a:schemeClr>
+            </a:solidFill>
+          </a:ln>
+        </p:spPr>
+        <p:style>
+          <a:lnRef idx="2">
+            <a:schemeClr val="accent1">
+              <a:shade val="15000"/>
+            </a:schemeClr>
+          </a:lnRef>
+          <a:fillRef idx="1">
+            <a:schemeClr val="accent1"/>
+          </a:fillRef>
+          <a:effectRef idx="0">
+            <a:schemeClr val="accent1"/>
+          </a:effectRef>
+          <a:fontRef idx="minor">
+            <a:schemeClr val="lt1"/>
+          </a:fontRef>
+        </p:style>
+        <p:txBody>
+          <a:bodyPr rtlCol="0" anchor="ctr"/>
+          <a:lstStyle/>
+          <a:p>
+            <a:pPr algn="ctr"/>
+            <a:endParaRPr lang="en-GB">
+              <a:latin typeface="Arial" panose="020B0604020202020204" pitchFamily="34" charset="0"/>
+              <a:cs typeface="Arial" panose="020B0604020202020204" pitchFamily="34" charset="0"/>
+            </a:endParaRPr>
+          </a:p>
+        </p:txBody>
+      </p:sp>
+      <p:sp>
+        <p:nvSpPr>
+          <p:cNvPr id="15" name="Arrow: Right 14">
+            <a:extLst>
+              <a:ext uri="{FF2B5EF4-FFF2-40B4-BE49-F238E27FC236}">
+                <a16:creationId xmlns:a16="http://schemas.microsoft.com/office/drawing/2014/main" id="{4DAA5689-6737-CFB6-1B62-7D777468CCFB}"/>
+              </a:ext>
+            </a:extLst>
+          </p:cNvPr>
+          <p:cNvSpPr/>
+          <p:nvPr/>
+        </p:nvSpPr>
+        <p:spPr>
+          <a:xfrm>
+            <a:off x="2675519" y="1959469"/>
+            <a:ext cx="441581" cy="291075"/>
+          </a:xfrm>
+          <a:prstGeom prst="rightArrow">
+            <a:avLst/>
+          </a:prstGeom>
+          <a:ln>
+            <a:solidFill>
+              <a:schemeClr val="tx2">
+                <a:lumMod val="75000"/>
+                <a:lumOff val="25000"/>
+              </a:schemeClr>
+            </a:solidFill>
+          </a:ln>
+        </p:spPr>
+        <p:style>
+          <a:lnRef idx="2">
+            <a:schemeClr val="accent1">
+              <a:shade val="15000"/>
+            </a:schemeClr>
+          </a:lnRef>
+          <a:fillRef idx="1">
+            <a:schemeClr val="accent1"/>
+          </a:fillRef>
+          <a:effectRef idx="0">
+            <a:schemeClr val="accent1"/>
+          </a:effectRef>
+          <a:fontRef idx="minor">
+            <a:schemeClr val="lt1"/>
+          </a:fontRef>
+        </p:style>
+        <p:txBody>
+          <a:bodyPr rtlCol="0" anchor="ctr"/>
+          <a:lstStyle/>
+          <a:p>
+            <a:pPr algn="ctr"/>
+            <a:endParaRPr lang="en-GB">
+              <a:latin typeface="Arial" panose="020B0604020202020204" pitchFamily="34" charset="0"/>
+              <a:cs typeface="Arial" panose="020B0604020202020204" pitchFamily="34" charset="0"/>
+            </a:endParaRPr>
+          </a:p>
+        </p:txBody>
+      </p:sp>
+      <p:sp>
+        <p:nvSpPr>
+          <p:cNvPr id="16" name="Arrow: Right 15">
+            <a:extLst>
+              <a:ext uri="{FF2B5EF4-FFF2-40B4-BE49-F238E27FC236}">
+                <a16:creationId xmlns:a16="http://schemas.microsoft.com/office/drawing/2014/main" id="{56C24894-0F61-8228-B6B8-F85B1ACB7753}"/>
+              </a:ext>
+            </a:extLst>
+          </p:cNvPr>
+          <p:cNvSpPr/>
+          <p:nvPr/>
+        </p:nvSpPr>
+        <p:spPr>
+          <a:xfrm>
+            <a:off x="5224668" y="1959468"/>
+            <a:ext cx="441581" cy="291075"/>
+          </a:xfrm>
+          <a:prstGeom prst="rightArrow">
+            <a:avLst/>
+          </a:prstGeom>
+          <a:ln>
+            <a:solidFill>
+              <a:schemeClr val="tx2">
+                <a:lumMod val="75000"/>
+                <a:lumOff val="25000"/>
+              </a:schemeClr>
+            </a:solidFill>
+          </a:ln>
+        </p:spPr>
+        <p:style>
+          <a:lnRef idx="2">
+            <a:schemeClr val="accent1">
+              <a:shade val="15000"/>
+            </a:schemeClr>
+          </a:lnRef>
+          <a:fillRef idx="1">
+            <a:schemeClr val="accent1"/>
+          </a:fillRef>
+          <a:effectRef idx="0">
+            <a:schemeClr val="accent1"/>
+          </a:effectRef>
+          <a:fontRef idx="minor">
+            <a:schemeClr val="lt1"/>
+          </a:fontRef>
+        </p:style>
+        <p:txBody>
+          <a:bodyPr rtlCol="0" anchor="ctr"/>
+          <a:lstStyle/>
+          <a:p>
+            <a:pPr algn="ctr"/>
+            <a:endParaRPr lang="en-GB">
+              <a:latin typeface="Arial" panose="020B0604020202020204" pitchFamily="34" charset="0"/>
+              <a:cs typeface="Arial" panose="020B0604020202020204" pitchFamily="34" charset="0"/>
+            </a:endParaRPr>
+          </a:p>
+        </p:txBody>
+      </p:sp>
+      <p:sp>
+        <p:nvSpPr>
+          <p:cNvPr id="17" name="Arrow: Right 16">
+            <a:extLst>
+              <a:ext uri="{FF2B5EF4-FFF2-40B4-BE49-F238E27FC236}">
+                <a16:creationId xmlns:a16="http://schemas.microsoft.com/office/drawing/2014/main" id="{655EA927-A4E8-BEAE-58CB-739525B051AC}"/>
+              </a:ext>
+            </a:extLst>
+          </p:cNvPr>
+          <p:cNvSpPr/>
+          <p:nvPr/>
+        </p:nvSpPr>
+        <p:spPr>
+          <a:xfrm>
+            <a:off x="8938354" y="1959467"/>
+            <a:ext cx="441581" cy="291075"/>
+          </a:xfrm>
+          <a:prstGeom prst="rightArrow">
+            <a:avLst/>
+          </a:prstGeom>
+          <a:ln>
+            <a:solidFill>
+              <a:schemeClr val="tx2">
+                <a:lumMod val="75000"/>
+                <a:lumOff val="25000"/>
+              </a:schemeClr>
+            </a:solidFill>
+          </a:ln>
+        </p:spPr>
+        <p:style>
+          <a:lnRef idx="2">
+            <a:schemeClr val="accent1">
+              <a:shade val="15000"/>
+            </a:schemeClr>
+          </a:lnRef>
+          <a:fillRef idx="1">
+            <a:schemeClr val="accent1"/>
+          </a:fillRef>
+          <a:effectRef idx="0">
+            <a:schemeClr val="accent1"/>
+          </a:effectRef>
+          <a:fontRef idx="minor">
+            <a:schemeClr val="lt1"/>
+          </a:fontRef>
+        </p:style>
+        <p:txBody>
+          <a:bodyPr rtlCol="0" anchor="ctr"/>
+          <a:lstStyle/>
+          <a:p>
+            <a:pPr algn="ctr"/>
+            <a:endParaRPr lang="en-GB">
+              <a:latin typeface="Arial" panose="020B0604020202020204" pitchFamily="34" charset="0"/>
+              <a:cs typeface="Arial" panose="020B0604020202020204" pitchFamily="34" charset="0"/>
+            </a:endParaRPr>
+          </a:p>
+        </p:txBody>
+      </p:sp>
+      <p:sp>
+        <p:nvSpPr>
+          <p:cNvPr id="19" name="Rectangle 18">
+            <a:extLst>
+              <a:ext uri="{FF2B5EF4-FFF2-40B4-BE49-F238E27FC236}">
+                <a16:creationId xmlns:a16="http://schemas.microsoft.com/office/drawing/2014/main" id="{D0A15FA6-2D49-807E-6272-CF1967E2FF86}"/>
+              </a:ext>
+            </a:extLst>
+          </p:cNvPr>
+          <p:cNvSpPr/>
+          <p:nvPr/>
+        </p:nvSpPr>
+        <p:spPr>
+          <a:xfrm>
+            <a:off x="6855160" y="4545669"/>
+            <a:ext cx="2050301" cy="1658416"/>
+          </a:xfrm>
+          <a:prstGeom prst="rect">
+            <a:avLst/>
+          </a:prstGeom>
+          <a:solidFill>
+            <a:schemeClr val="bg2">
+              <a:lumMod val="50000"/>
+            </a:schemeClr>
+          </a:solidFill>
+          <a:ln>
+            <a:solidFill>
+              <a:schemeClr val="bg1">
+                <a:lumMod val="50000"/>
+              </a:schemeClr>
+            </a:solidFill>
+          </a:ln>
+        </p:spPr>
+        <p:style>
+          <a:lnRef idx="2">
+            <a:schemeClr val="dk1">
+              <a:shade val="15000"/>
+            </a:schemeClr>
+          </a:lnRef>
+          <a:fillRef idx="1">
+            <a:schemeClr val="dk1"/>
+          </a:fillRef>
+          <a:effectRef idx="0">
+            <a:schemeClr val="dk1"/>
+          </a:effectRef>
+          <a:fontRef idx="minor">
+            <a:schemeClr val="lt1"/>
+          </a:fontRef>
+        </p:style>
+        <p:txBody>
+          <a:bodyPr rtlCol="0" anchor="ctr"/>
+          <a:lstStyle/>
+          <a:p>
+            <a:pPr algn="ctr"/>
+            <a:r>
+              <a:rPr lang="en-GB" dirty="0">
+                <a:latin typeface="Arial" panose="020B0604020202020204" pitchFamily="34" charset="0"/>
+                <a:cs typeface="Arial" panose="020B0604020202020204" pitchFamily="34" charset="0"/>
+              </a:rPr>
+              <a:t>Result Analysis:</a:t>
+            </a:r>
+          </a:p>
+          <a:p>
+            <a:pPr algn="ctr"/>
+            <a:r>
+              <a:rPr lang="en-GB" dirty="0">
+                <a:latin typeface="Arial" panose="020B0604020202020204" pitchFamily="34" charset="0"/>
+                <a:cs typeface="Arial" panose="020B0604020202020204" pitchFamily="34" charset="0"/>
+              </a:rPr>
+              <a:t>Characterization of Profiles</a:t>
+            </a:r>
+          </a:p>
+        </p:txBody>
+      </p:sp>
+      <p:sp>
+        <p:nvSpPr>
+          <p:cNvPr id="20" name="Rectangle 19">
+            <a:extLst>
+              <a:ext uri="{FF2B5EF4-FFF2-40B4-BE49-F238E27FC236}">
+                <a16:creationId xmlns:a16="http://schemas.microsoft.com/office/drawing/2014/main" id="{17EE8A5D-0A3D-5082-3146-8DE173A2C756}"/>
+              </a:ext>
+            </a:extLst>
+          </p:cNvPr>
+          <p:cNvSpPr/>
+          <p:nvPr/>
+        </p:nvSpPr>
+        <p:spPr>
+          <a:xfrm>
+            <a:off x="4311690" y="4545669"/>
+            <a:ext cx="2050301" cy="1658416"/>
+          </a:xfrm>
+          <a:prstGeom prst="rect">
+            <a:avLst/>
+          </a:prstGeom>
+          <a:solidFill>
+            <a:schemeClr val="bg2">
+              <a:lumMod val="50000"/>
+            </a:schemeClr>
+          </a:solidFill>
+          <a:ln>
+            <a:solidFill>
+              <a:schemeClr val="bg1">
+                <a:lumMod val="50000"/>
+              </a:schemeClr>
+            </a:solidFill>
+          </a:ln>
+        </p:spPr>
+        <p:style>
+          <a:lnRef idx="2">
+            <a:schemeClr val="dk1">
+              <a:shade val="15000"/>
+            </a:schemeClr>
+          </a:lnRef>
+          <a:fillRef idx="1">
+            <a:schemeClr val="dk1"/>
+          </a:fillRef>
+          <a:effectRef idx="0">
+            <a:schemeClr val="dk1"/>
+          </a:effectRef>
+          <a:fontRef idx="minor">
+            <a:schemeClr val="lt1"/>
+          </a:fontRef>
+        </p:style>
+        <p:txBody>
+          <a:bodyPr rtlCol="0" anchor="ctr"/>
+          <a:lstStyle/>
+          <a:p>
+            <a:pPr algn="ctr"/>
+            <a:r>
+              <a:rPr lang="en-GB" dirty="0">
+                <a:latin typeface="Arial" panose="020B0604020202020204" pitchFamily="34" charset="0"/>
+                <a:cs typeface="Arial" panose="020B0604020202020204" pitchFamily="34" charset="0"/>
+              </a:rPr>
+              <a:t>Definition of Additive Method</a:t>
+            </a:r>
+          </a:p>
+        </p:txBody>
+      </p:sp>
+      <p:sp>
+        <p:nvSpPr>
+          <p:cNvPr id="22" name="Arrow: Right 21">
+            <a:extLst>
+              <a:ext uri="{FF2B5EF4-FFF2-40B4-BE49-F238E27FC236}">
+                <a16:creationId xmlns:a16="http://schemas.microsoft.com/office/drawing/2014/main" id="{816F5EFD-8315-5BE3-F7C8-9DD3C0361C07}"/>
+              </a:ext>
+            </a:extLst>
+          </p:cNvPr>
+          <p:cNvSpPr/>
+          <p:nvPr/>
+        </p:nvSpPr>
+        <p:spPr>
+          <a:xfrm flipH="1">
+            <a:off x="8934094" y="5229339"/>
+            <a:ext cx="441581" cy="291075"/>
+          </a:xfrm>
+          <a:prstGeom prst="rightArrow">
+            <a:avLst/>
+          </a:prstGeom>
+          <a:ln>
+            <a:solidFill>
+              <a:schemeClr val="tx2">
+                <a:lumMod val="75000"/>
+                <a:lumOff val="25000"/>
+              </a:schemeClr>
+            </a:solidFill>
+          </a:ln>
+        </p:spPr>
+        <p:style>
+          <a:lnRef idx="2">
+            <a:schemeClr val="accent1">
+              <a:shade val="15000"/>
+            </a:schemeClr>
+          </a:lnRef>
+          <a:fillRef idx="1">
+            <a:schemeClr val="accent1"/>
+          </a:fillRef>
+          <a:effectRef idx="0">
+            <a:schemeClr val="accent1"/>
+          </a:effectRef>
+          <a:fontRef idx="minor">
+            <a:schemeClr val="lt1"/>
+          </a:fontRef>
+        </p:style>
+        <p:txBody>
+          <a:bodyPr rtlCol="0" anchor="ctr"/>
+          <a:lstStyle/>
+          <a:p>
+            <a:pPr algn="ctr"/>
+            <a:endParaRPr lang="en-GB">
+              <a:latin typeface="Arial" panose="020B0604020202020204" pitchFamily="34" charset="0"/>
+              <a:cs typeface="Arial" panose="020B0604020202020204" pitchFamily="34" charset="0"/>
+            </a:endParaRPr>
+          </a:p>
+        </p:txBody>
+      </p:sp>
+      <p:sp>
+        <p:nvSpPr>
+          <p:cNvPr id="23" name="Arrow: Right 22">
+            <a:extLst>
+              <a:ext uri="{FF2B5EF4-FFF2-40B4-BE49-F238E27FC236}">
+                <a16:creationId xmlns:a16="http://schemas.microsoft.com/office/drawing/2014/main" id="{569A4EBE-06FC-3F77-961F-47DC2FCAABA9}"/>
+              </a:ext>
+            </a:extLst>
+          </p:cNvPr>
+          <p:cNvSpPr/>
+          <p:nvPr/>
+        </p:nvSpPr>
+        <p:spPr>
+          <a:xfrm flipH="1">
+            <a:off x="6384945" y="5210985"/>
+            <a:ext cx="441581" cy="291075"/>
+          </a:xfrm>
+          <a:prstGeom prst="rightArrow">
+            <a:avLst/>
+          </a:prstGeom>
+          <a:solidFill>
+            <a:schemeClr val="tx2">
+              <a:lumMod val="50000"/>
+              <a:lumOff val="50000"/>
+            </a:schemeClr>
+          </a:solidFill>
+          <a:ln>
+            <a:solidFill>
+              <a:schemeClr val="tx2">
+                <a:lumMod val="50000"/>
+                <a:lumOff val="50000"/>
+              </a:schemeClr>
+            </a:solidFill>
+          </a:ln>
+        </p:spPr>
+        <p:style>
+          <a:lnRef idx="2">
+            <a:schemeClr val="accent1">
+              <a:shade val="15000"/>
+            </a:schemeClr>
+          </a:lnRef>
+          <a:fillRef idx="1">
+            <a:schemeClr val="accent1"/>
+          </a:fillRef>
+          <a:effectRef idx="0">
+            <a:schemeClr val="accent1"/>
+          </a:effectRef>
+          <a:fontRef idx="minor">
+            <a:schemeClr val="lt1"/>
+          </a:fontRef>
+        </p:style>
+        <p:txBody>
+          <a:bodyPr rtlCol="0" anchor="ctr"/>
+          <a:lstStyle/>
+          <a:p>
+            <a:pPr algn="ctr"/>
+            <a:endParaRPr lang="en-GB">
+              <a:latin typeface="Arial" panose="020B0604020202020204" pitchFamily="34" charset="0"/>
+              <a:cs typeface="Arial" panose="020B0604020202020204" pitchFamily="34" charset="0"/>
+            </a:endParaRPr>
+          </a:p>
+        </p:txBody>
+      </p:sp>
+      <p:sp>
+        <p:nvSpPr>
+          <p:cNvPr id="24" name="Arrow: Right 23">
+            <a:extLst>
+              <a:ext uri="{FF2B5EF4-FFF2-40B4-BE49-F238E27FC236}">
+                <a16:creationId xmlns:a16="http://schemas.microsoft.com/office/drawing/2014/main" id="{7CAD078B-DCFD-C10A-262D-DB2FFA3B6F98}"/>
+              </a:ext>
+            </a:extLst>
+          </p:cNvPr>
+          <p:cNvSpPr/>
+          <p:nvPr/>
+        </p:nvSpPr>
+        <p:spPr>
+          <a:xfrm flipH="1">
+            <a:off x="3812842" y="5210922"/>
+            <a:ext cx="441581" cy="291075"/>
+          </a:xfrm>
+          <a:prstGeom prst="rightArrow">
+            <a:avLst/>
+          </a:prstGeom>
+          <a:solidFill>
+            <a:schemeClr val="tx2">
+              <a:lumMod val="50000"/>
+              <a:lumOff val="50000"/>
+            </a:schemeClr>
+          </a:solidFill>
+          <a:ln>
+            <a:solidFill>
+              <a:schemeClr val="tx2">
+                <a:lumMod val="50000"/>
+                <a:lumOff val="50000"/>
+              </a:schemeClr>
+            </a:solidFill>
+          </a:ln>
+        </p:spPr>
+        <p:style>
+          <a:lnRef idx="2">
+            <a:schemeClr val="accent1">
+              <a:shade val="15000"/>
+            </a:schemeClr>
+          </a:lnRef>
+          <a:fillRef idx="1">
+            <a:schemeClr val="accent1"/>
+          </a:fillRef>
+          <a:effectRef idx="0">
+            <a:schemeClr val="accent1"/>
+          </a:effectRef>
+          <a:fontRef idx="minor">
+            <a:schemeClr val="lt1"/>
+          </a:fontRef>
+        </p:style>
+        <p:txBody>
+          <a:bodyPr rtlCol="0" anchor="ctr"/>
+          <a:lstStyle/>
+          <a:p>
+            <a:pPr algn="ctr"/>
+            <a:endParaRPr lang="en-GB">
+              <a:latin typeface="Arial" panose="020B0604020202020204" pitchFamily="34" charset="0"/>
+              <a:cs typeface="Arial" panose="020B0604020202020204" pitchFamily="34" charset="0"/>
+            </a:endParaRPr>
+          </a:p>
+        </p:txBody>
+      </p:sp>
+      <p:sp>
+        <p:nvSpPr>
+          <p:cNvPr id="25" name="Rectangle 24">
+            <a:extLst>
+              <a:ext uri="{FF2B5EF4-FFF2-40B4-BE49-F238E27FC236}">
+                <a16:creationId xmlns:a16="http://schemas.microsoft.com/office/drawing/2014/main" id="{F0C4FC9B-D808-49F1-A365-7447D8B3C6BA}"/>
+              </a:ext>
+            </a:extLst>
+          </p:cNvPr>
+          <p:cNvSpPr/>
+          <p:nvPr/>
+        </p:nvSpPr>
+        <p:spPr>
+          <a:xfrm>
+            <a:off x="573630" y="3429000"/>
+            <a:ext cx="3239211" cy="2845432"/>
+          </a:xfrm>
+          <a:prstGeom prst="rect">
+            <a:avLst/>
+          </a:prstGeom>
+          <a:solidFill>
+            <a:schemeClr val="tx2">
+              <a:lumMod val="25000"/>
+              <a:lumOff val="75000"/>
+              <a:alpha val="50000"/>
+            </a:schemeClr>
+          </a:solidFill>
+          <a:ln>
+            <a:noFill/>
+          </a:ln>
+        </p:spPr>
+        <p:style>
+          <a:lnRef idx="0">
+            <a:scrgbClr r="0" g="0" b="0"/>
+          </a:lnRef>
+          <a:fillRef idx="0">
+            <a:scrgbClr r="0" g="0" b="0"/>
+          </a:fillRef>
+          <a:effectRef idx="0">
+            <a:scrgbClr r="0" g="0" b="0"/>
+          </a:effectRef>
+          <a:fontRef idx="minor">
+            <a:schemeClr val="lt1"/>
+          </a:fontRef>
+        </p:style>
+        <p:txBody>
+          <a:bodyPr rtlCol="0" anchor="ctr"/>
+          <a:lstStyle/>
+          <a:p>
+            <a:pPr algn="ctr"/>
+            <a:endParaRPr lang="en-GB" dirty="0">
+              <a:latin typeface="Arial" panose="020B0604020202020204" pitchFamily="34" charset="0"/>
+              <a:cs typeface="Arial" panose="020B0604020202020204" pitchFamily="34" charset="0"/>
+            </a:endParaRPr>
+          </a:p>
+        </p:txBody>
+      </p:sp>
+      <p:sp>
+        <p:nvSpPr>
+          <p:cNvPr id="26" name="TextBox 25">
+            <a:extLst>
+              <a:ext uri="{FF2B5EF4-FFF2-40B4-BE49-F238E27FC236}">
+                <a16:creationId xmlns:a16="http://schemas.microsoft.com/office/drawing/2014/main" id="{207D022D-B626-F4A7-9089-347A0278142F}"/>
+              </a:ext>
+            </a:extLst>
+          </p:cNvPr>
+          <p:cNvSpPr txBox="1"/>
+          <p:nvPr/>
+        </p:nvSpPr>
+        <p:spPr>
+          <a:xfrm>
+            <a:off x="645807" y="3470137"/>
+            <a:ext cx="3094856" cy="369332"/>
+          </a:xfrm>
+          <a:prstGeom prst="rect">
+            <a:avLst/>
+          </a:prstGeom>
+          <a:noFill/>
+        </p:spPr>
+        <p:txBody>
+          <a:bodyPr wrap="square">
+            <a:spAutoFit/>
+          </a:bodyPr>
+          <a:lstStyle/>
+          <a:p>
+            <a:pPr algn="ctr"/>
+            <a:r>
+              <a:rPr lang="en-GB" dirty="0">
+                <a:latin typeface="Arial" panose="020B0604020202020204" pitchFamily="34" charset="0"/>
+                <a:cs typeface="Arial" panose="020B0604020202020204" pitchFamily="34" charset="0"/>
+              </a:rPr>
+              <a:t>Prediction</a:t>
+            </a:r>
+          </a:p>
+        </p:txBody>
+      </p:sp>
+      <p:sp>
+        <p:nvSpPr>
+          <p:cNvPr id="27" name="Rectangle 26">
+            <a:extLst>
+              <a:ext uri="{FF2B5EF4-FFF2-40B4-BE49-F238E27FC236}">
+                <a16:creationId xmlns:a16="http://schemas.microsoft.com/office/drawing/2014/main" id="{28C93EE7-01E3-4BCE-1A4F-E75649F71833}"/>
+              </a:ext>
+            </a:extLst>
+          </p:cNvPr>
+          <p:cNvSpPr/>
+          <p:nvPr/>
+        </p:nvSpPr>
+        <p:spPr>
+          <a:xfrm>
+            <a:off x="707098" y="3886284"/>
+            <a:ext cx="2972274" cy="962593"/>
+          </a:xfrm>
+          <a:prstGeom prst="rect">
+            <a:avLst/>
+          </a:prstGeom>
+          <a:solidFill>
+            <a:schemeClr val="bg2">
+              <a:lumMod val="50000"/>
+            </a:schemeClr>
+          </a:solidFill>
+          <a:ln>
+            <a:solidFill>
+              <a:schemeClr val="bg1">
+                <a:lumMod val="50000"/>
+              </a:schemeClr>
+            </a:solidFill>
+          </a:ln>
+        </p:spPr>
+        <p:style>
+          <a:lnRef idx="2">
+            <a:schemeClr val="dk1">
+              <a:shade val="15000"/>
+            </a:schemeClr>
+          </a:lnRef>
+          <a:fillRef idx="1">
+            <a:schemeClr val="dk1"/>
+          </a:fillRef>
+          <a:effectRef idx="0">
+            <a:schemeClr val="dk1"/>
+          </a:effectRef>
+          <a:fontRef idx="minor">
+            <a:schemeClr val="lt1"/>
+          </a:fontRef>
+        </p:style>
+        <p:txBody>
+          <a:bodyPr rtlCol="0" anchor="ctr"/>
+          <a:lstStyle/>
+          <a:p>
+            <a:pPr algn="ctr"/>
+            <a:r>
+              <a:rPr lang="en-GB" dirty="0">
+                <a:latin typeface="Arial" panose="020B0604020202020204" pitchFamily="34" charset="0"/>
+                <a:cs typeface="Arial" panose="020B0604020202020204" pitchFamily="34" charset="0"/>
+              </a:rPr>
+              <a:t>Monthly bill per </a:t>
+            </a:r>
+            <a:r>
+              <a:rPr lang="en-GB" dirty="0" err="1">
+                <a:latin typeface="Arial" panose="020B0604020202020204" pitchFamily="34" charset="0"/>
+                <a:cs typeface="Arial" panose="020B0604020202020204" pitchFamily="34" charset="0"/>
+              </a:rPr>
+              <a:t>Houshold</a:t>
+            </a:r>
+            <a:endParaRPr lang="en-GB" dirty="0">
+              <a:latin typeface="Arial" panose="020B0604020202020204" pitchFamily="34" charset="0"/>
+              <a:cs typeface="Arial" panose="020B0604020202020204" pitchFamily="34" charset="0"/>
+            </a:endParaRPr>
+          </a:p>
+        </p:txBody>
+      </p:sp>
+      <p:sp>
+        <p:nvSpPr>
+          <p:cNvPr id="28" name="Rectangle 27">
+            <a:extLst>
+              <a:ext uri="{FF2B5EF4-FFF2-40B4-BE49-F238E27FC236}">
+                <a16:creationId xmlns:a16="http://schemas.microsoft.com/office/drawing/2014/main" id="{60933316-CAE5-9B07-DD9F-3E3A3CA34641}"/>
+              </a:ext>
+            </a:extLst>
+          </p:cNvPr>
+          <p:cNvSpPr/>
+          <p:nvPr/>
+        </p:nvSpPr>
+        <p:spPr>
+          <a:xfrm>
+            <a:off x="707098" y="5080358"/>
+            <a:ext cx="2972274" cy="962593"/>
+          </a:xfrm>
+          <a:prstGeom prst="rect">
+            <a:avLst/>
+          </a:prstGeom>
+          <a:solidFill>
+            <a:schemeClr val="bg2">
+              <a:lumMod val="50000"/>
+            </a:schemeClr>
+          </a:solidFill>
+          <a:ln>
+            <a:solidFill>
+              <a:schemeClr val="bg1">
+                <a:lumMod val="50000"/>
+              </a:schemeClr>
+            </a:solidFill>
+          </a:ln>
+        </p:spPr>
+        <p:style>
+          <a:lnRef idx="2">
+            <a:schemeClr val="dk1">
+              <a:shade val="15000"/>
+            </a:schemeClr>
+          </a:lnRef>
+          <a:fillRef idx="1">
+            <a:schemeClr val="dk1"/>
+          </a:fillRef>
+          <a:effectRef idx="0">
+            <a:schemeClr val="dk1"/>
+          </a:effectRef>
+          <a:fontRef idx="minor">
+            <a:schemeClr val="lt1"/>
+          </a:fontRef>
+        </p:style>
+        <p:txBody>
+          <a:bodyPr rtlCol="0" anchor="ctr"/>
+          <a:lstStyle/>
+          <a:p>
+            <a:pPr algn="ctr"/>
+            <a:r>
+              <a:rPr lang="en-GB" dirty="0">
+                <a:latin typeface="Arial" panose="020B0604020202020204" pitchFamily="34" charset="0"/>
+                <a:cs typeface="Arial" panose="020B0604020202020204" pitchFamily="34" charset="0"/>
+              </a:rPr>
+              <a:t>Daily consumption shape per </a:t>
+            </a:r>
+            <a:r>
+              <a:rPr lang="en-GB" dirty="0" err="1">
+                <a:latin typeface="Arial" panose="020B0604020202020204" pitchFamily="34" charset="0"/>
+                <a:cs typeface="Arial" panose="020B0604020202020204" pitchFamily="34" charset="0"/>
+              </a:rPr>
+              <a:t>Houshold</a:t>
+            </a:r>
+            <a:endParaRPr lang="en-GB" dirty="0">
+              <a:latin typeface="Arial" panose="020B0604020202020204" pitchFamily="34" charset="0"/>
+              <a:cs typeface="Arial" panose="020B0604020202020204" pitchFamily="34" charset="0"/>
+            </a:endParaRPr>
+          </a:p>
+        </p:txBody>
+      </p:sp>
+      <p:sp>
+        <p:nvSpPr>
+          <p:cNvPr id="29" name="Arrow: Right 28">
+            <a:extLst>
+              <a:ext uri="{FF2B5EF4-FFF2-40B4-BE49-F238E27FC236}">
+                <a16:creationId xmlns:a16="http://schemas.microsoft.com/office/drawing/2014/main" id="{6109554B-ABF3-3511-A6CF-F665289445C7}"/>
+              </a:ext>
+            </a:extLst>
+          </p:cNvPr>
+          <p:cNvSpPr/>
+          <p:nvPr/>
+        </p:nvSpPr>
+        <p:spPr>
+          <a:xfrm rot="5400000">
+            <a:off x="9658142" y="3628815"/>
+            <a:ext cx="1542632" cy="291075"/>
+          </a:xfrm>
+          <a:prstGeom prst="rightArrow">
+            <a:avLst/>
+          </a:prstGeom>
+          <a:ln>
+            <a:solidFill>
+              <a:schemeClr val="tx2">
+                <a:lumMod val="75000"/>
+                <a:lumOff val="25000"/>
+              </a:schemeClr>
+            </a:solidFill>
+          </a:ln>
+        </p:spPr>
+        <p:style>
+          <a:lnRef idx="2">
+            <a:schemeClr val="accent1">
+              <a:shade val="15000"/>
+            </a:schemeClr>
+          </a:lnRef>
+          <a:fillRef idx="1">
+            <a:schemeClr val="accent1"/>
+          </a:fillRef>
+          <a:effectRef idx="0">
+            <a:schemeClr val="accent1"/>
+          </a:effectRef>
+          <a:fontRef idx="minor">
+            <a:schemeClr val="lt1"/>
+          </a:fontRef>
+        </p:style>
+        <p:txBody>
+          <a:bodyPr rtlCol="0" anchor="ctr"/>
+          <a:lstStyle/>
+          <a:p>
+            <a:pPr algn="ctr"/>
+            <a:endParaRPr lang="en-GB">
+              <a:latin typeface="Arial" panose="020B0604020202020204" pitchFamily="34" charset="0"/>
+              <a:cs typeface="Arial" panose="020B0604020202020204" pitchFamily="34" charset="0"/>
+            </a:endParaRPr>
+          </a:p>
+        </p:txBody>
+      </p:sp>
+    </p:spTree>
+    <p:extLst>
+      <p:ext uri="{BB962C8B-B14F-4D97-AF65-F5344CB8AC3E}">
+        <p14:creationId xmlns:p14="http://schemas.microsoft.com/office/powerpoint/2010/main" val="2829020198"/>
+      </p:ext>
+    </p:extLst>
+  </p:cSld>
+  <p:clrMapOvr>
+    <a:masterClrMapping/>
+  </p:clrMapOvr>
+</p:sld>
+</file>
+
+<file path=ppt/slides/slide7.xml><?xml version="1.0" encoding="utf-8"?>
+<p:sld xmlns:a="http://schemas.openxmlformats.org/drawingml/2006/main" xmlns:r="http://schemas.openxmlformats.org/officeDocument/2006/relationships" xmlns:p="http://schemas.openxmlformats.org/presentationml/2006/main">
+  <p:cSld>
+    <p:spTree>
+      <p:nvGrpSpPr>
+        <p:cNvPr id="1" name=""/>
+        <p:cNvGrpSpPr/>
+        <p:nvPr/>
+      </p:nvGrpSpPr>
+      <p:grpSpPr>
+        <a:xfrm>
+          <a:off x="0" y="0"/>
+          <a:ext cx="0" cy="0"/>
+          <a:chOff x="0" y="0"/>
+          <a:chExt cx="0" cy="0"/>
+        </a:xfrm>
+      </p:grpSpPr>
+      <p:sp>
+        <p:nvSpPr>
           <p:cNvPr id="2" name="Title 1">
             <a:extLst>
               <a:ext uri="{FF2B5EF4-FFF2-40B4-BE49-F238E27FC236}">
@@ -4153,7 +5609,7 @@
 </p:sld>
 </file>
 
-<file path=ppt/slides/slide7.xml><?xml version="1.0" encoding="utf-8"?>
+<file path=ppt/slides/slide8.xml><?xml version="1.0" encoding="utf-8"?>
 <p:sld xmlns:a="http://schemas.openxmlformats.org/drawingml/2006/main" xmlns:r="http://schemas.openxmlformats.org/officeDocument/2006/relationships" xmlns:p="http://schemas.openxmlformats.org/presentationml/2006/main">
   <p:cSld>
     <p:spTree>
@@ -4263,7 +5719,7 @@
 </p:sld>
 </file>
 
-<file path=ppt/slides/slide8.xml><?xml version="1.0" encoding="utf-8"?>
+<file path=ppt/slides/slide9.xml><?xml version="1.0" encoding="utf-8"?>
 <p:sld xmlns:a="http://schemas.openxmlformats.org/drawingml/2006/main" xmlns:r="http://schemas.openxmlformats.org/officeDocument/2006/relationships" xmlns:p="http://schemas.openxmlformats.org/presentationml/2006/main">
   <p:cSld>
     <p:spTree>
